--- a/content/talks/Financial Economics Seminar 2023/files/active-shares.pptx
+++ b/content/talks/Financial Economics Seminar 2023/files/active-shares.pptx
@@ -14,7 +14,8 @@
     <p:sldId id="281" r:id="rId8"/>
     <p:sldId id="266" r:id="rId9"/>
     <p:sldId id="276" r:id="rId10"/>
-    <p:sldId id="268" r:id="rId11"/>
+    <p:sldId id="282" r:id="rId11"/>
+    <p:sldId id="268" r:id="rId12"/>
   </p:sldIdLst>
   <p:sldSz cx="12192000" cy="6858000"/>
   <p:notesSz cx="6858000" cy="9144000"/>
@@ -132,6 +133,249 @@
 
 <file path=ppt/changesInfos/changesInfo1.xml><?xml version="1.0" encoding="utf-8"?>
 <pc:chgInfo xmlns:a="http://schemas.openxmlformats.org/drawingml/2006/main" xmlns:r="http://schemas.openxmlformats.org/officeDocument/2006/relationships" xmlns:ac="http://schemas.microsoft.com/office/drawing/2013/main/command" xmlns:pc="http://schemas.microsoft.com/office/powerpoint/2013/main/command">
+  <pc:docChgLst>
+    <pc:chgData name="Bozman, Adam Nathaniel" userId="f0638ef9-1deb-4360-a9b3-4111be3bf51a" providerId="ADAL" clId="{627B7CEE-95FB-448C-A9C0-B8B5BC2A160E}"/>
+    <pc:docChg chg="undo custSel addSld modSld">
+      <pc:chgData name="Bozman, Adam Nathaniel" userId="f0638ef9-1deb-4360-a9b3-4111be3bf51a" providerId="ADAL" clId="{627B7CEE-95FB-448C-A9C0-B8B5BC2A160E}" dt="2023-02-03T17:20:49.550" v="2766" actId="1076"/>
+      <pc:docMkLst>
+        <pc:docMk/>
+      </pc:docMkLst>
+      <pc:sldChg chg="addSp modSp mod">
+        <pc:chgData name="Bozman, Adam Nathaniel" userId="f0638ef9-1deb-4360-a9b3-4111be3bf51a" providerId="ADAL" clId="{627B7CEE-95FB-448C-A9C0-B8B5BC2A160E}" dt="2023-02-03T17:01:02.412" v="2561" actId="1076"/>
+        <pc:sldMkLst>
+          <pc:docMk/>
+          <pc:sldMk cId="805916559" sldId="261"/>
+        </pc:sldMkLst>
+        <pc:spChg chg="add mod">
+          <ac:chgData name="Bozman, Adam Nathaniel" userId="f0638ef9-1deb-4360-a9b3-4111be3bf51a" providerId="ADAL" clId="{627B7CEE-95FB-448C-A9C0-B8B5BC2A160E}" dt="2023-02-03T17:00:56.376" v="2560" actId="14100"/>
+          <ac:spMkLst>
+            <pc:docMk/>
+            <pc:sldMk cId="805916559" sldId="261"/>
+            <ac:spMk id="3" creationId="{6FEE841F-F739-FC2B-F721-279EF52EBF64}"/>
+          </ac:spMkLst>
+        </pc:spChg>
+        <pc:spChg chg="add mod">
+          <ac:chgData name="Bozman, Adam Nathaniel" userId="f0638ef9-1deb-4360-a9b3-4111be3bf51a" providerId="ADAL" clId="{627B7CEE-95FB-448C-A9C0-B8B5BC2A160E}" dt="2023-02-03T17:01:02.412" v="2561" actId="1076"/>
+          <ac:spMkLst>
+            <pc:docMk/>
+            <pc:sldMk cId="805916559" sldId="261"/>
+            <ac:spMk id="4" creationId="{8FAE6CEE-8727-DB2F-4D38-C4096C86FD63}"/>
+          </ac:spMkLst>
+        </pc:spChg>
+        <pc:spChg chg="mod">
+          <ac:chgData name="Bozman, Adam Nathaniel" userId="f0638ef9-1deb-4360-a9b3-4111be3bf51a" providerId="ADAL" clId="{627B7CEE-95FB-448C-A9C0-B8B5BC2A160E}" dt="2023-02-03T17:00:21.430" v="2557" actId="115"/>
+          <ac:spMkLst>
+            <pc:docMk/>
+            <pc:sldMk cId="805916559" sldId="261"/>
+            <ac:spMk id="6" creationId="{EEF0D0AF-BA9D-BA4C-AB3F-F8D9E7955440}"/>
+          </ac:spMkLst>
+        </pc:spChg>
+      </pc:sldChg>
+      <pc:sldChg chg="addSp modSp mod">
+        <pc:chgData name="Bozman, Adam Nathaniel" userId="f0638ef9-1deb-4360-a9b3-4111be3bf51a" providerId="ADAL" clId="{627B7CEE-95FB-448C-A9C0-B8B5BC2A160E}" dt="2023-02-03T17:14:24.234" v="2689" actId="14100"/>
+        <pc:sldMkLst>
+          <pc:docMk/>
+          <pc:sldMk cId="1234248951" sldId="277"/>
+        </pc:sldMkLst>
+        <pc:spChg chg="mod">
+          <ac:chgData name="Bozman, Adam Nathaniel" userId="f0638ef9-1deb-4360-a9b3-4111be3bf51a" providerId="ADAL" clId="{627B7CEE-95FB-448C-A9C0-B8B5BC2A160E}" dt="2023-02-02T20:52:35.587" v="14" actId="20577"/>
+          <ac:spMkLst>
+            <pc:docMk/>
+            <pc:sldMk cId="1234248951" sldId="277"/>
+            <ac:spMk id="2" creationId="{900AD881-4292-3942-BA86-91F62FAFA2BA}"/>
+          </ac:spMkLst>
+        </pc:spChg>
+        <pc:spChg chg="add mod">
+          <ac:chgData name="Bozman, Adam Nathaniel" userId="f0638ef9-1deb-4360-a9b3-4111be3bf51a" providerId="ADAL" clId="{627B7CEE-95FB-448C-A9C0-B8B5BC2A160E}" dt="2023-02-03T17:14:24.234" v="2689" actId="14100"/>
+          <ac:spMkLst>
+            <pc:docMk/>
+            <pc:sldMk cId="1234248951" sldId="277"/>
+            <ac:spMk id="3" creationId="{81FFF3BE-6B18-CAC8-9D75-56721A90439C}"/>
+          </ac:spMkLst>
+        </pc:spChg>
+        <pc:spChg chg="mod">
+          <ac:chgData name="Bozman, Adam Nathaniel" userId="f0638ef9-1deb-4360-a9b3-4111be3bf51a" providerId="ADAL" clId="{627B7CEE-95FB-448C-A9C0-B8B5BC2A160E}" dt="2023-02-02T20:59:32.222" v="173" actId="122"/>
+          <ac:spMkLst>
+            <pc:docMk/>
+            <pc:sldMk cId="1234248951" sldId="277"/>
+            <ac:spMk id="6" creationId="{EEF0D0AF-BA9D-BA4C-AB3F-F8D9E7955440}"/>
+          </ac:spMkLst>
+        </pc:spChg>
+      </pc:sldChg>
+      <pc:sldChg chg="addSp delSp modSp mod">
+        <pc:chgData name="Bozman, Adam Nathaniel" userId="f0638ef9-1deb-4360-a9b3-4111be3bf51a" providerId="ADAL" clId="{627B7CEE-95FB-448C-A9C0-B8B5BC2A160E}" dt="2023-02-03T17:13:14.176" v="2666" actId="20577"/>
+        <pc:sldMkLst>
+          <pc:docMk/>
+          <pc:sldMk cId="1127788117" sldId="278"/>
+        </pc:sldMkLst>
+        <pc:spChg chg="mod">
+          <ac:chgData name="Bozman, Adam Nathaniel" userId="f0638ef9-1deb-4360-a9b3-4111be3bf51a" providerId="ADAL" clId="{627B7CEE-95FB-448C-A9C0-B8B5BC2A160E}" dt="2023-02-02T21:28:58.878" v="1717" actId="1076"/>
+          <ac:spMkLst>
+            <pc:docMk/>
+            <pc:sldMk cId="1127788117" sldId="278"/>
+            <ac:spMk id="3" creationId="{3441E6F8-CDB1-79E6-8475-B1E2733DC411}"/>
+          </ac:spMkLst>
+        </pc:spChg>
+        <pc:spChg chg="mod">
+          <ac:chgData name="Bozman, Adam Nathaniel" userId="f0638ef9-1deb-4360-a9b3-4111be3bf51a" providerId="ADAL" clId="{627B7CEE-95FB-448C-A9C0-B8B5BC2A160E}" dt="2023-02-03T17:13:14.176" v="2666" actId="20577"/>
+          <ac:spMkLst>
+            <pc:docMk/>
+            <pc:sldMk cId="1127788117" sldId="278"/>
+            <ac:spMk id="6" creationId="{EEF0D0AF-BA9D-BA4C-AB3F-F8D9E7955440}"/>
+          </ac:spMkLst>
+        </pc:spChg>
+        <pc:spChg chg="add mod">
+          <ac:chgData name="Bozman, Adam Nathaniel" userId="f0638ef9-1deb-4360-a9b3-4111be3bf51a" providerId="ADAL" clId="{627B7CEE-95FB-448C-A9C0-B8B5BC2A160E}" dt="2023-02-03T17:11:40.266" v="2594" actId="14100"/>
+          <ac:spMkLst>
+            <pc:docMk/>
+            <pc:sldMk cId="1127788117" sldId="278"/>
+            <ac:spMk id="20" creationId="{52C9940A-7018-FB5D-ADBE-CE639F7056D6}"/>
+          </ac:spMkLst>
+        </pc:spChg>
+        <pc:spChg chg="add mod">
+          <ac:chgData name="Bozman, Adam Nathaniel" userId="f0638ef9-1deb-4360-a9b3-4111be3bf51a" providerId="ADAL" clId="{627B7CEE-95FB-448C-A9C0-B8B5BC2A160E}" dt="2023-02-03T17:11:23.049" v="2591" actId="1076"/>
+          <ac:spMkLst>
+            <pc:docMk/>
+            <pc:sldMk cId="1127788117" sldId="278"/>
+            <ac:spMk id="21" creationId="{F28EC578-58F2-4432-BCE6-684FC777D21E}"/>
+          </ac:spMkLst>
+        </pc:spChg>
+        <pc:cxnChg chg="mod">
+          <ac:chgData name="Bozman, Adam Nathaniel" userId="f0638ef9-1deb-4360-a9b3-4111be3bf51a" providerId="ADAL" clId="{627B7CEE-95FB-448C-A9C0-B8B5BC2A160E}" dt="2023-02-03T17:11:31.885" v="2592" actId="1076"/>
+          <ac:cxnSpMkLst>
+            <pc:docMk/>
+            <pc:sldMk cId="1127788117" sldId="278"/>
+            <ac:cxnSpMk id="5" creationId="{4E6C9C05-6C8D-7F85-6533-A6DDDED3EEE3}"/>
+          </ac:cxnSpMkLst>
+        </pc:cxnChg>
+        <pc:cxnChg chg="mod">
+          <ac:chgData name="Bozman, Adam Nathaniel" userId="f0638ef9-1deb-4360-a9b3-4111be3bf51a" providerId="ADAL" clId="{627B7CEE-95FB-448C-A9C0-B8B5BC2A160E}" dt="2023-02-03T17:11:07.723" v="2590" actId="1076"/>
+          <ac:cxnSpMkLst>
+            <pc:docMk/>
+            <pc:sldMk cId="1127788117" sldId="278"/>
+            <ac:cxnSpMk id="9" creationId="{0783CD60-7932-A0AF-90AF-6C4E9EAB804A}"/>
+          </ac:cxnSpMkLst>
+        </pc:cxnChg>
+        <pc:cxnChg chg="add del mod">
+          <ac:chgData name="Bozman, Adam Nathaniel" userId="f0638ef9-1deb-4360-a9b3-4111be3bf51a" providerId="ADAL" clId="{627B7CEE-95FB-448C-A9C0-B8B5BC2A160E}" dt="2023-02-02T21:29:20.125" v="1723"/>
+          <ac:cxnSpMkLst>
+            <pc:docMk/>
+            <pc:sldMk cId="1127788117" sldId="278"/>
+            <ac:cxnSpMk id="19" creationId="{68492B15-A3B1-45EA-FFC5-32A7392EA63A}"/>
+          </ac:cxnSpMkLst>
+        </pc:cxnChg>
+      </pc:sldChg>
+      <pc:sldChg chg="addSp modSp mod modAnim">
+        <pc:chgData name="Bozman, Adam Nathaniel" userId="f0638ef9-1deb-4360-a9b3-4111be3bf51a" providerId="ADAL" clId="{627B7CEE-95FB-448C-A9C0-B8B5BC2A160E}" dt="2023-02-03T17:03:03.034" v="2582" actId="115"/>
+        <pc:sldMkLst>
+          <pc:docMk/>
+          <pc:sldMk cId="3082171015" sldId="279"/>
+        </pc:sldMkLst>
+        <pc:spChg chg="mod">
+          <ac:chgData name="Bozman, Adam Nathaniel" userId="f0638ef9-1deb-4360-a9b3-4111be3bf51a" providerId="ADAL" clId="{627B7CEE-95FB-448C-A9C0-B8B5BC2A160E}" dt="2023-02-03T17:03:03.034" v="2582" actId="115"/>
+          <ac:spMkLst>
+            <pc:docMk/>
+            <pc:sldMk cId="3082171015" sldId="279"/>
+            <ac:spMk id="3" creationId="{7EFB4B0C-2518-693C-A1B5-0B1C8F0413DD}"/>
+          </ac:spMkLst>
+        </pc:spChg>
+        <pc:spChg chg="add mod">
+          <ac:chgData name="Bozman, Adam Nathaniel" userId="f0638ef9-1deb-4360-a9b3-4111be3bf51a" providerId="ADAL" clId="{627B7CEE-95FB-448C-A9C0-B8B5BC2A160E}" dt="2023-02-02T21:26:15.764" v="1544" actId="115"/>
+          <ac:spMkLst>
+            <pc:docMk/>
+            <pc:sldMk cId="3082171015" sldId="279"/>
+            <ac:spMk id="4" creationId="{4C0517FB-105C-4B0F-5107-87F13A41C318}"/>
+          </ac:spMkLst>
+        </pc:spChg>
+        <pc:spChg chg="mod">
+          <ac:chgData name="Bozman, Adam Nathaniel" userId="f0638ef9-1deb-4360-a9b3-4111be3bf51a" providerId="ADAL" clId="{627B7CEE-95FB-448C-A9C0-B8B5BC2A160E}" dt="2023-02-03T17:01:30.959" v="2562" actId="1076"/>
+          <ac:spMkLst>
+            <pc:docMk/>
+            <pc:sldMk cId="3082171015" sldId="279"/>
+            <ac:spMk id="6" creationId="{EEF0D0AF-BA9D-BA4C-AB3F-F8D9E7955440}"/>
+          </ac:spMkLst>
+        </pc:spChg>
+        <pc:spChg chg="add mod">
+          <ac:chgData name="Bozman, Adam Nathaniel" userId="f0638ef9-1deb-4360-a9b3-4111be3bf51a" providerId="ADAL" clId="{627B7CEE-95FB-448C-A9C0-B8B5BC2A160E}" dt="2023-02-02T21:26:11.816" v="1543" actId="115"/>
+          <ac:spMkLst>
+            <pc:docMk/>
+            <pc:sldMk cId="3082171015" sldId="279"/>
+            <ac:spMk id="9" creationId="{17498994-65D8-F247-570E-2954F11DE679}"/>
+          </ac:spMkLst>
+        </pc:spChg>
+        <pc:picChg chg="mod">
+          <ac:chgData name="Bozman, Adam Nathaniel" userId="f0638ef9-1deb-4360-a9b3-4111be3bf51a" providerId="ADAL" clId="{627B7CEE-95FB-448C-A9C0-B8B5BC2A160E}" dt="2023-02-02T21:25:32.261" v="1536" actId="14100"/>
+          <ac:picMkLst>
+            <pc:docMk/>
+            <pc:sldMk cId="3082171015" sldId="279"/>
+            <ac:picMk id="5" creationId="{853FE9AB-2E0C-F19F-5541-CA83375EC829}"/>
+          </ac:picMkLst>
+        </pc:picChg>
+        <pc:picChg chg="mod">
+          <ac:chgData name="Bozman, Adam Nathaniel" userId="f0638ef9-1deb-4360-a9b3-4111be3bf51a" providerId="ADAL" clId="{627B7CEE-95FB-448C-A9C0-B8B5BC2A160E}" dt="2023-02-02T21:25:36.465" v="1537" actId="14100"/>
+          <ac:picMkLst>
+            <pc:docMk/>
+            <pc:sldMk cId="3082171015" sldId="279"/>
+            <ac:picMk id="10" creationId="{7F9CBDF1-6F15-B6E8-7243-57EF0E694913}"/>
+          </ac:picMkLst>
+        </pc:picChg>
+        <pc:cxnChg chg="add mod">
+          <ac:chgData name="Bozman, Adam Nathaniel" userId="f0638ef9-1deb-4360-a9b3-4111be3bf51a" providerId="ADAL" clId="{627B7CEE-95FB-448C-A9C0-B8B5BC2A160E}" dt="2023-02-02T21:26:21.813" v="1545" actId="1076"/>
+          <ac:cxnSpMkLst>
+            <pc:docMk/>
+            <pc:sldMk cId="3082171015" sldId="279"/>
+            <ac:cxnSpMk id="14" creationId="{ADEDF390-4A12-0700-7158-A8B49F990C0D}"/>
+          </ac:cxnSpMkLst>
+        </pc:cxnChg>
+        <pc:cxnChg chg="add mod">
+          <ac:chgData name="Bozman, Adam Nathaniel" userId="f0638ef9-1deb-4360-a9b3-4111be3bf51a" providerId="ADAL" clId="{627B7CEE-95FB-448C-A9C0-B8B5BC2A160E}" dt="2023-02-02T21:26:27.360" v="1546" actId="1076"/>
+          <ac:cxnSpMkLst>
+            <pc:docMk/>
+            <pc:sldMk cId="3082171015" sldId="279"/>
+            <ac:cxnSpMk id="15" creationId="{B8374528-233D-2C4A-1972-EA8CBEAFAC4E}"/>
+          </ac:cxnSpMkLst>
+        </pc:cxnChg>
+      </pc:sldChg>
+      <pc:sldChg chg="modSp mod">
+        <pc:chgData name="Bozman, Adam Nathaniel" userId="f0638ef9-1deb-4360-a9b3-4111be3bf51a" providerId="ADAL" clId="{627B7CEE-95FB-448C-A9C0-B8B5BC2A160E}" dt="2023-02-03T17:14:16.273" v="2688" actId="20577"/>
+        <pc:sldMkLst>
+          <pc:docMk/>
+          <pc:sldMk cId="170961425" sldId="280"/>
+        </pc:sldMkLst>
+        <pc:spChg chg="mod">
+          <ac:chgData name="Bozman, Adam Nathaniel" userId="f0638ef9-1deb-4360-a9b3-4111be3bf51a" providerId="ADAL" clId="{627B7CEE-95FB-448C-A9C0-B8B5BC2A160E}" dt="2023-02-03T17:14:16.273" v="2688" actId="20577"/>
+          <ac:spMkLst>
+            <pc:docMk/>
+            <pc:sldMk cId="170961425" sldId="280"/>
+            <ac:spMk id="6" creationId="{EEF0D0AF-BA9D-BA4C-AB3F-F8D9E7955440}"/>
+          </ac:spMkLst>
+        </pc:spChg>
+      </pc:sldChg>
+      <pc:sldChg chg="addSp modSp add mod">
+        <pc:chgData name="Bozman, Adam Nathaniel" userId="f0638ef9-1deb-4360-a9b3-4111be3bf51a" providerId="ADAL" clId="{627B7CEE-95FB-448C-A9C0-B8B5BC2A160E}" dt="2023-02-03T17:20:49.550" v="2766" actId="1076"/>
+        <pc:sldMkLst>
+          <pc:docMk/>
+          <pc:sldMk cId="3329911359" sldId="281"/>
+        </pc:sldMkLst>
+        <pc:spChg chg="add mod">
+          <ac:chgData name="Bozman, Adam Nathaniel" userId="f0638ef9-1deb-4360-a9b3-4111be3bf51a" providerId="ADAL" clId="{627B7CEE-95FB-448C-A9C0-B8B5BC2A160E}" dt="2023-02-03T17:20:49.550" v="2766" actId="1076"/>
+          <ac:spMkLst>
+            <pc:docMk/>
+            <pc:sldMk cId="3329911359" sldId="281"/>
+            <ac:spMk id="5" creationId="{56A1A26B-A548-016D-B3A4-C086687387C4}"/>
+          </ac:spMkLst>
+        </pc:spChg>
+        <pc:spChg chg="mod">
+          <ac:chgData name="Bozman, Adam Nathaniel" userId="f0638ef9-1deb-4360-a9b3-4111be3bf51a" providerId="ADAL" clId="{627B7CEE-95FB-448C-A9C0-B8B5BC2A160E}" dt="2023-02-03T17:16:15.250" v="2696" actId="14100"/>
+          <ac:spMkLst>
+            <pc:docMk/>
+            <pc:sldMk cId="3329911359" sldId="281"/>
+            <ac:spMk id="6" creationId="{EEF0D0AF-BA9D-BA4C-AB3F-F8D9E7955440}"/>
+          </ac:spMkLst>
+        </pc:spChg>
+      </pc:sldChg>
+    </pc:docChg>
+  </pc:docChgLst>
   <pc:docChgLst>
     <pc:chgData name="Bozman, Adam Nathaniel" userId="f0638ef9-1deb-4360-a9b3-4111be3bf51a" providerId="ADAL" clId="{10AE4212-139C-45F2-949D-36A09CC9EC3E}"/>
     <pc:docChg chg="undo custSel addSld delSld modSld sldOrd">
@@ -786,249 +1030,6 @@
             <ac:cxnSpMk id="17" creationId="{B8A767DC-0FD6-7DA4-45ED-A286B4880682}"/>
           </ac:cxnSpMkLst>
         </pc:cxnChg>
-      </pc:sldChg>
-    </pc:docChg>
-  </pc:docChgLst>
-  <pc:docChgLst>
-    <pc:chgData name="Bozman, Adam Nathaniel" userId="f0638ef9-1deb-4360-a9b3-4111be3bf51a" providerId="ADAL" clId="{627B7CEE-95FB-448C-A9C0-B8B5BC2A160E}"/>
-    <pc:docChg chg="undo custSel addSld modSld">
-      <pc:chgData name="Bozman, Adam Nathaniel" userId="f0638ef9-1deb-4360-a9b3-4111be3bf51a" providerId="ADAL" clId="{627B7CEE-95FB-448C-A9C0-B8B5BC2A160E}" dt="2023-02-03T17:20:49.550" v="2766" actId="1076"/>
-      <pc:docMkLst>
-        <pc:docMk/>
-      </pc:docMkLst>
-      <pc:sldChg chg="addSp modSp mod">
-        <pc:chgData name="Bozman, Adam Nathaniel" userId="f0638ef9-1deb-4360-a9b3-4111be3bf51a" providerId="ADAL" clId="{627B7CEE-95FB-448C-A9C0-B8B5BC2A160E}" dt="2023-02-03T17:01:02.412" v="2561" actId="1076"/>
-        <pc:sldMkLst>
-          <pc:docMk/>
-          <pc:sldMk cId="805916559" sldId="261"/>
-        </pc:sldMkLst>
-        <pc:spChg chg="add mod">
-          <ac:chgData name="Bozman, Adam Nathaniel" userId="f0638ef9-1deb-4360-a9b3-4111be3bf51a" providerId="ADAL" clId="{627B7CEE-95FB-448C-A9C0-B8B5BC2A160E}" dt="2023-02-03T17:00:56.376" v="2560" actId="14100"/>
-          <ac:spMkLst>
-            <pc:docMk/>
-            <pc:sldMk cId="805916559" sldId="261"/>
-            <ac:spMk id="3" creationId="{6FEE841F-F739-FC2B-F721-279EF52EBF64}"/>
-          </ac:spMkLst>
-        </pc:spChg>
-        <pc:spChg chg="add mod">
-          <ac:chgData name="Bozman, Adam Nathaniel" userId="f0638ef9-1deb-4360-a9b3-4111be3bf51a" providerId="ADAL" clId="{627B7CEE-95FB-448C-A9C0-B8B5BC2A160E}" dt="2023-02-03T17:01:02.412" v="2561" actId="1076"/>
-          <ac:spMkLst>
-            <pc:docMk/>
-            <pc:sldMk cId="805916559" sldId="261"/>
-            <ac:spMk id="4" creationId="{8FAE6CEE-8727-DB2F-4D38-C4096C86FD63}"/>
-          </ac:spMkLst>
-        </pc:spChg>
-        <pc:spChg chg="mod">
-          <ac:chgData name="Bozman, Adam Nathaniel" userId="f0638ef9-1deb-4360-a9b3-4111be3bf51a" providerId="ADAL" clId="{627B7CEE-95FB-448C-A9C0-B8B5BC2A160E}" dt="2023-02-03T17:00:21.430" v="2557" actId="115"/>
-          <ac:spMkLst>
-            <pc:docMk/>
-            <pc:sldMk cId="805916559" sldId="261"/>
-            <ac:spMk id="6" creationId="{EEF0D0AF-BA9D-BA4C-AB3F-F8D9E7955440}"/>
-          </ac:spMkLst>
-        </pc:spChg>
-      </pc:sldChg>
-      <pc:sldChg chg="addSp modSp mod">
-        <pc:chgData name="Bozman, Adam Nathaniel" userId="f0638ef9-1deb-4360-a9b3-4111be3bf51a" providerId="ADAL" clId="{627B7CEE-95FB-448C-A9C0-B8B5BC2A160E}" dt="2023-02-03T17:14:24.234" v="2689" actId="14100"/>
-        <pc:sldMkLst>
-          <pc:docMk/>
-          <pc:sldMk cId="1234248951" sldId="277"/>
-        </pc:sldMkLst>
-        <pc:spChg chg="mod">
-          <ac:chgData name="Bozman, Adam Nathaniel" userId="f0638ef9-1deb-4360-a9b3-4111be3bf51a" providerId="ADAL" clId="{627B7CEE-95FB-448C-A9C0-B8B5BC2A160E}" dt="2023-02-02T20:52:35.587" v="14" actId="20577"/>
-          <ac:spMkLst>
-            <pc:docMk/>
-            <pc:sldMk cId="1234248951" sldId="277"/>
-            <ac:spMk id="2" creationId="{900AD881-4292-3942-BA86-91F62FAFA2BA}"/>
-          </ac:spMkLst>
-        </pc:spChg>
-        <pc:spChg chg="add mod">
-          <ac:chgData name="Bozman, Adam Nathaniel" userId="f0638ef9-1deb-4360-a9b3-4111be3bf51a" providerId="ADAL" clId="{627B7CEE-95FB-448C-A9C0-B8B5BC2A160E}" dt="2023-02-03T17:14:24.234" v="2689" actId="14100"/>
-          <ac:spMkLst>
-            <pc:docMk/>
-            <pc:sldMk cId="1234248951" sldId="277"/>
-            <ac:spMk id="3" creationId="{81FFF3BE-6B18-CAC8-9D75-56721A90439C}"/>
-          </ac:spMkLst>
-        </pc:spChg>
-        <pc:spChg chg="mod">
-          <ac:chgData name="Bozman, Adam Nathaniel" userId="f0638ef9-1deb-4360-a9b3-4111be3bf51a" providerId="ADAL" clId="{627B7CEE-95FB-448C-A9C0-B8B5BC2A160E}" dt="2023-02-02T20:59:32.222" v="173" actId="122"/>
-          <ac:spMkLst>
-            <pc:docMk/>
-            <pc:sldMk cId="1234248951" sldId="277"/>
-            <ac:spMk id="6" creationId="{EEF0D0AF-BA9D-BA4C-AB3F-F8D9E7955440}"/>
-          </ac:spMkLst>
-        </pc:spChg>
-      </pc:sldChg>
-      <pc:sldChg chg="addSp delSp modSp mod">
-        <pc:chgData name="Bozman, Adam Nathaniel" userId="f0638ef9-1deb-4360-a9b3-4111be3bf51a" providerId="ADAL" clId="{627B7CEE-95FB-448C-A9C0-B8B5BC2A160E}" dt="2023-02-03T17:13:14.176" v="2666" actId="20577"/>
-        <pc:sldMkLst>
-          <pc:docMk/>
-          <pc:sldMk cId="1127788117" sldId="278"/>
-        </pc:sldMkLst>
-        <pc:spChg chg="mod">
-          <ac:chgData name="Bozman, Adam Nathaniel" userId="f0638ef9-1deb-4360-a9b3-4111be3bf51a" providerId="ADAL" clId="{627B7CEE-95FB-448C-A9C0-B8B5BC2A160E}" dt="2023-02-02T21:28:58.878" v="1717" actId="1076"/>
-          <ac:spMkLst>
-            <pc:docMk/>
-            <pc:sldMk cId="1127788117" sldId="278"/>
-            <ac:spMk id="3" creationId="{3441E6F8-CDB1-79E6-8475-B1E2733DC411}"/>
-          </ac:spMkLst>
-        </pc:spChg>
-        <pc:spChg chg="mod">
-          <ac:chgData name="Bozman, Adam Nathaniel" userId="f0638ef9-1deb-4360-a9b3-4111be3bf51a" providerId="ADAL" clId="{627B7CEE-95FB-448C-A9C0-B8B5BC2A160E}" dt="2023-02-03T17:13:14.176" v="2666" actId="20577"/>
-          <ac:spMkLst>
-            <pc:docMk/>
-            <pc:sldMk cId="1127788117" sldId="278"/>
-            <ac:spMk id="6" creationId="{EEF0D0AF-BA9D-BA4C-AB3F-F8D9E7955440}"/>
-          </ac:spMkLst>
-        </pc:spChg>
-        <pc:spChg chg="add mod">
-          <ac:chgData name="Bozman, Adam Nathaniel" userId="f0638ef9-1deb-4360-a9b3-4111be3bf51a" providerId="ADAL" clId="{627B7CEE-95FB-448C-A9C0-B8B5BC2A160E}" dt="2023-02-03T17:11:40.266" v="2594" actId="14100"/>
-          <ac:spMkLst>
-            <pc:docMk/>
-            <pc:sldMk cId="1127788117" sldId="278"/>
-            <ac:spMk id="20" creationId="{52C9940A-7018-FB5D-ADBE-CE639F7056D6}"/>
-          </ac:spMkLst>
-        </pc:spChg>
-        <pc:spChg chg="add mod">
-          <ac:chgData name="Bozman, Adam Nathaniel" userId="f0638ef9-1deb-4360-a9b3-4111be3bf51a" providerId="ADAL" clId="{627B7CEE-95FB-448C-A9C0-B8B5BC2A160E}" dt="2023-02-03T17:11:23.049" v="2591" actId="1076"/>
-          <ac:spMkLst>
-            <pc:docMk/>
-            <pc:sldMk cId="1127788117" sldId="278"/>
-            <ac:spMk id="21" creationId="{F28EC578-58F2-4432-BCE6-684FC777D21E}"/>
-          </ac:spMkLst>
-        </pc:spChg>
-        <pc:cxnChg chg="mod">
-          <ac:chgData name="Bozman, Adam Nathaniel" userId="f0638ef9-1deb-4360-a9b3-4111be3bf51a" providerId="ADAL" clId="{627B7CEE-95FB-448C-A9C0-B8B5BC2A160E}" dt="2023-02-03T17:11:31.885" v="2592" actId="1076"/>
-          <ac:cxnSpMkLst>
-            <pc:docMk/>
-            <pc:sldMk cId="1127788117" sldId="278"/>
-            <ac:cxnSpMk id="5" creationId="{4E6C9C05-6C8D-7F85-6533-A6DDDED3EEE3}"/>
-          </ac:cxnSpMkLst>
-        </pc:cxnChg>
-        <pc:cxnChg chg="mod">
-          <ac:chgData name="Bozman, Adam Nathaniel" userId="f0638ef9-1deb-4360-a9b3-4111be3bf51a" providerId="ADAL" clId="{627B7CEE-95FB-448C-A9C0-B8B5BC2A160E}" dt="2023-02-03T17:11:07.723" v="2590" actId="1076"/>
-          <ac:cxnSpMkLst>
-            <pc:docMk/>
-            <pc:sldMk cId="1127788117" sldId="278"/>
-            <ac:cxnSpMk id="9" creationId="{0783CD60-7932-A0AF-90AF-6C4E9EAB804A}"/>
-          </ac:cxnSpMkLst>
-        </pc:cxnChg>
-        <pc:cxnChg chg="add del mod">
-          <ac:chgData name="Bozman, Adam Nathaniel" userId="f0638ef9-1deb-4360-a9b3-4111be3bf51a" providerId="ADAL" clId="{627B7CEE-95FB-448C-A9C0-B8B5BC2A160E}" dt="2023-02-02T21:29:20.125" v="1723"/>
-          <ac:cxnSpMkLst>
-            <pc:docMk/>
-            <pc:sldMk cId="1127788117" sldId="278"/>
-            <ac:cxnSpMk id="19" creationId="{68492B15-A3B1-45EA-FFC5-32A7392EA63A}"/>
-          </ac:cxnSpMkLst>
-        </pc:cxnChg>
-      </pc:sldChg>
-      <pc:sldChg chg="addSp modSp mod modAnim">
-        <pc:chgData name="Bozman, Adam Nathaniel" userId="f0638ef9-1deb-4360-a9b3-4111be3bf51a" providerId="ADAL" clId="{627B7CEE-95FB-448C-A9C0-B8B5BC2A160E}" dt="2023-02-03T17:03:03.034" v="2582" actId="115"/>
-        <pc:sldMkLst>
-          <pc:docMk/>
-          <pc:sldMk cId="3082171015" sldId="279"/>
-        </pc:sldMkLst>
-        <pc:spChg chg="mod">
-          <ac:chgData name="Bozman, Adam Nathaniel" userId="f0638ef9-1deb-4360-a9b3-4111be3bf51a" providerId="ADAL" clId="{627B7CEE-95FB-448C-A9C0-B8B5BC2A160E}" dt="2023-02-03T17:03:03.034" v="2582" actId="115"/>
-          <ac:spMkLst>
-            <pc:docMk/>
-            <pc:sldMk cId="3082171015" sldId="279"/>
-            <ac:spMk id="3" creationId="{7EFB4B0C-2518-693C-A1B5-0B1C8F0413DD}"/>
-          </ac:spMkLst>
-        </pc:spChg>
-        <pc:spChg chg="add mod">
-          <ac:chgData name="Bozman, Adam Nathaniel" userId="f0638ef9-1deb-4360-a9b3-4111be3bf51a" providerId="ADAL" clId="{627B7CEE-95FB-448C-A9C0-B8B5BC2A160E}" dt="2023-02-02T21:26:15.764" v="1544" actId="115"/>
-          <ac:spMkLst>
-            <pc:docMk/>
-            <pc:sldMk cId="3082171015" sldId="279"/>
-            <ac:spMk id="4" creationId="{4C0517FB-105C-4B0F-5107-87F13A41C318}"/>
-          </ac:spMkLst>
-        </pc:spChg>
-        <pc:spChg chg="mod">
-          <ac:chgData name="Bozman, Adam Nathaniel" userId="f0638ef9-1deb-4360-a9b3-4111be3bf51a" providerId="ADAL" clId="{627B7CEE-95FB-448C-A9C0-B8B5BC2A160E}" dt="2023-02-03T17:01:30.959" v="2562" actId="1076"/>
-          <ac:spMkLst>
-            <pc:docMk/>
-            <pc:sldMk cId="3082171015" sldId="279"/>
-            <ac:spMk id="6" creationId="{EEF0D0AF-BA9D-BA4C-AB3F-F8D9E7955440}"/>
-          </ac:spMkLst>
-        </pc:spChg>
-        <pc:spChg chg="add mod">
-          <ac:chgData name="Bozman, Adam Nathaniel" userId="f0638ef9-1deb-4360-a9b3-4111be3bf51a" providerId="ADAL" clId="{627B7CEE-95FB-448C-A9C0-B8B5BC2A160E}" dt="2023-02-02T21:26:11.816" v="1543" actId="115"/>
-          <ac:spMkLst>
-            <pc:docMk/>
-            <pc:sldMk cId="3082171015" sldId="279"/>
-            <ac:spMk id="9" creationId="{17498994-65D8-F247-570E-2954F11DE679}"/>
-          </ac:spMkLst>
-        </pc:spChg>
-        <pc:picChg chg="mod">
-          <ac:chgData name="Bozman, Adam Nathaniel" userId="f0638ef9-1deb-4360-a9b3-4111be3bf51a" providerId="ADAL" clId="{627B7CEE-95FB-448C-A9C0-B8B5BC2A160E}" dt="2023-02-02T21:25:32.261" v="1536" actId="14100"/>
-          <ac:picMkLst>
-            <pc:docMk/>
-            <pc:sldMk cId="3082171015" sldId="279"/>
-            <ac:picMk id="5" creationId="{853FE9AB-2E0C-F19F-5541-CA83375EC829}"/>
-          </ac:picMkLst>
-        </pc:picChg>
-        <pc:picChg chg="mod">
-          <ac:chgData name="Bozman, Adam Nathaniel" userId="f0638ef9-1deb-4360-a9b3-4111be3bf51a" providerId="ADAL" clId="{627B7CEE-95FB-448C-A9C0-B8B5BC2A160E}" dt="2023-02-02T21:25:36.465" v="1537" actId="14100"/>
-          <ac:picMkLst>
-            <pc:docMk/>
-            <pc:sldMk cId="3082171015" sldId="279"/>
-            <ac:picMk id="10" creationId="{7F9CBDF1-6F15-B6E8-7243-57EF0E694913}"/>
-          </ac:picMkLst>
-        </pc:picChg>
-        <pc:cxnChg chg="add mod">
-          <ac:chgData name="Bozman, Adam Nathaniel" userId="f0638ef9-1deb-4360-a9b3-4111be3bf51a" providerId="ADAL" clId="{627B7CEE-95FB-448C-A9C0-B8B5BC2A160E}" dt="2023-02-02T21:26:21.813" v="1545" actId="1076"/>
-          <ac:cxnSpMkLst>
-            <pc:docMk/>
-            <pc:sldMk cId="3082171015" sldId="279"/>
-            <ac:cxnSpMk id="14" creationId="{ADEDF390-4A12-0700-7158-A8B49F990C0D}"/>
-          </ac:cxnSpMkLst>
-        </pc:cxnChg>
-        <pc:cxnChg chg="add mod">
-          <ac:chgData name="Bozman, Adam Nathaniel" userId="f0638ef9-1deb-4360-a9b3-4111be3bf51a" providerId="ADAL" clId="{627B7CEE-95FB-448C-A9C0-B8B5BC2A160E}" dt="2023-02-02T21:26:27.360" v="1546" actId="1076"/>
-          <ac:cxnSpMkLst>
-            <pc:docMk/>
-            <pc:sldMk cId="3082171015" sldId="279"/>
-            <ac:cxnSpMk id="15" creationId="{B8374528-233D-2C4A-1972-EA8CBEAFAC4E}"/>
-          </ac:cxnSpMkLst>
-        </pc:cxnChg>
-      </pc:sldChg>
-      <pc:sldChg chg="modSp mod">
-        <pc:chgData name="Bozman, Adam Nathaniel" userId="f0638ef9-1deb-4360-a9b3-4111be3bf51a" providerId="ADAL" clId="{627B7CEE-95FB-448C-A9C0-B8B5BC2A160E}" dt="2023-02-03T17:14:16.273" v="2688" actId="20577"/>
-        <pc:sldMkLst>
-          <pc:docMk/>
-          <pc:sldMk cId="170961425" sldId="280"/>
-        </pc:sldMkLst>
-        <pc:spChg chg="mod">
-          <ac:chgData name="Bozman, Adam Nathaniel" userId="f0638ef9-1deb-4360-a9b3-4111be3bf51a" providerId="ADAL" clId="{627B7CEE-95FB-448C-A9C0-B8B5BC2A160E}" dt="2023-02-03T17:14:16.273" v="2688" actId="20577"/>
-          <ac:spMkLst>
-            <pc:docMk/>
-            <pc:sldMk cId="170961425" sldId="280"/>
-            <ac:spMk id="6" creationId="{EEF0D0AF-BA9D-BA4C-AB3F-F8D9E7955440}"/>
-          </ac:spMkLst>
-        </pc:spChg>
-      </pc:sldChg>
-      <pc:sldChg chg="addSp modSp add mod">
-        <pc:chgData name="Bozman, Adam Nathaniel" userId="f0638ef9-1deb-4360-a9b3-4111be3bf51a" providerId="ADAL" clId="{627B7CEE-95FB-448C-A9C0-B8B5BC2A160E}" dt="2023-02-03T17:20:49.550" v="2766" actId="1076"/>
-        <pc:sldMkLst>
-          <pc:docMk/>
-          <pc:sldMk cId="3329911359" sldId="281"/>
-        </pc:sldMkLst>
-        <pc:spChg chg="add mod">
-          <ac:chgData name="Bozman, Adam Nathaniel" userId="f0638ef9-1deb-4360-a9b3-4111be3bf51a" providerId="ADAL" clId="{627B7CEE-95FB-448C-A9C0-B8B5BC2A160E}" dt="2023-02-03T17:20:49.550" v="2766" actId="1076"/>
-          <ac:spMkLst>
-            <pc:docMk/>
-            <pc:sldMk cId="3329911359" sldId="281"/>
-            <ac:spMk id="5" creationId="{56A1A26B-A548-016D-B3A4-C086687387C4}"/>
-          </ac:spMkLst>
-        </pc:spChg>
-        <pc:spChg chg="mod">
-          <ac:chgData name="Bozman, Adam Nathaniel" userId="f0638ef9-1deb-4360-a9b3-4111be3bf51a" providerId="ADAL" clId="{627B7CEE-95FB-448C-A9C0-B8B5BC2A160E}" dt="2023-02-03T17:16:15.250" v="2696" actId="14100"/>
-          <ac:spMkLst>
-            <pc:docMk/>
-            <pc:sldMk cId="3329911359" sldId="281"/>
-            <ac:spMk id="6" creationId="{EEF0D0AF-BA9D-BA4C-AB3F-F8D9E7955440}"/>
-          </ac:spMkLst>
-        </pc:spChg>
       </pc:sldChg>
     </pc:docChg>
   </pc:docChgLst>
@@ -5421,7 +5422,7 @@
           <a:p>
             <a:fld id="{91F9259A-1FE3-4FF9-8A07-BDD8177164ED}" type="datetime4">
               <a:rPr lang="en-US" smtClean="0"/>
-              <a:t>February 3, 2023</a:t>
+              <a:t>February 7, 2023</a:t>
             </a:fld>
             <a:endParaRPr lang="en-US"/>
           </a:p>
@@ -5591,7 +5592,7 @@
           <a:p>
             <a:fld id="{E5CC3C8F-D4A7-4EAD-92AD-82C91CB8BB85}" type="datetime4">
               <a:rPr lang="en-US" smtClean="0"/>
-              <a:t>February 3, 2023</a:t>
+              <a:t>February 7, 2023</a:t>
             </a:fld>
             <a:endParaRPr lang="en-US"/>
           </a:p>
@@ -5771,7 +5772,7 @@
           <a:p>
             <a:fld id="{BC011D41-E33C-4BC7-8272-37E8417FD097}" type="datetime4">
               <a:rPr lang="en-US" smtClean="0"/>
-              <a:t>February 3, 2023</a:t>
+              <a:t>February 7, 2023</a:t>
             </a:fld>
             <a:endParaRPr lang="en-US"/>
           </a:p>
@@ -5941,7 +5942,7 @@
           <a:p>
             <a:fld id="{5D340FED-6E95-4177-A7EF-CD303B9E611D}" type="datetime4">
               <a:rPr lang="en-US" smtClean="0"/>
-              <a:t>February 3, 2023</a:t>
+              <a:t>February 7, 2023</a:t>
             </a:fld>
             <a:endParaRPr lang="en-US"/>
           </a:p>
@@ -6187,7 +6188,7 @@
           <a:p>
             <a:fld id="{477962CB-39AD-45A9-800F-54DAB53D6021}" type="datetime4">
               <a:rPr lang="en-US" smtClean="0"/>
-              <a:t>February 3, 2023</a:t>
+              <a:t>February 7, 2023</a:t>
             </a:fld>
             <a:endParaRPr lang="en-US"/>
           </a:p>
@@ -6419,7 +6420,7 @@
           <a:p>
             <a:fld id="{2DEDF93D-55AB-4606-B9D7-742F1FC51983}" type="datetime4">
               <a:rPr lang="en-US" smtClean="0"/>
-              <a:t>February 3, 2023</a:t>
+              <a:t>February 7, 2023</a:t>
             </a:fld>
             <a:endParaRPr lang="en-US" dirty="0"/>
           </a:p>
@@ -6787,7 +6788,7 @@
             <a:fld id="{A33960BD-7AC1-4217-9611-AAA56D3EE38F}" type="datetime4">
               <a:rPr lang="en-US" smtClean="0"/>
               <a:pPr/>
-              <a:t>February 3, 2023</a:t>
+              <a:t>February 7, 2023</a:t>
             </a:fld>
             <a:endParaRPr lang="en-US" dirty="0">
               <a:latin typeface="+mn-lt"/>
@@ -6913,7 +6914,7 @@
           <a:p>
             <a:fld id="{118537E9-D174-424D-BEE8-AFC4CA5F9F97}" type="datetime4">
               <a:rPr lang="en-US" smtClean="0"/>
-              <a:t>February 3, 2023</a:t>
+              <a:t>February 7, 2023</a:t>
             </a:fld>
             <a:endParaRPr lang="en-US"/>
           </a:p>
@@ -7008,7 +7009,7 @@
           <a:p>
             <a:fld id="{1C7A44C0-F7AC-49C2-8289-1E7A86D9FB50}" type="datetime4">
               <a:rPr lang="en-US" smtClean="0"/>
-              <a:t>February 3, 2023</a:t>
+              <a:t>February 7, 2023</a:t>
             </a:fld>
             <a:endParaRPr lang="en-US"/>
           </a:p>
@@ -7285,7 +7286,7 @@
           <a:p>
             <a:fld id="{73BB84BC-6E78-40D1-8831-40AB1F596614}" type="datetime4">
               <a:rPr lang="en-US" smtClean="0"/>
-              <a:t>February 3, 2023</a:t>
+              <a:t>February 7, 2023</a:t>
             </a:fld>
             <a:endParaRPr lang="en-US"/>
           </a:p>
@@ -7542,7 +7543,7 @@
           <a:p>
             <a:fld id="{ADFA080F-3961-4D42-BEDE-84A1FED032F1}" type="datetime4">
               <a:rPr lang="en-US" smtClean="0"/>
-              <a:t>February 3, 2023</a:t>
+              <a:t>February 7, 2023</a:t>
             </a:fld>
             <a:endParaRPr lang="en-US"/>
           </a:p>
@@ -7776,7 +7777,7 @@
             <a:fld id="{A33960BD-7AC1-4217-9611-AAA56D3EE38F}" type="datetime4">
               <a:rPr lang="en-US" smtClean="0"/>
               <a:pPr/>
-              <a:t>February 3, 2023</a:t>
+              <a:t>February 7, 2023</a:t>
             </a:fld>
             <a:endParaRPr lang="en-US" dirty="0">
               <a:latin typeface="+mn-lt"/>
@@ -8730,6 +8731,1045 @@
 </file>
 
 <file path=ppt/slides/slide10.xml><?xml version="1.0" encoding="utf-8"?>
+<p:sld xmlns:a="http://schemas.openxmlformats.org/drawingml/2006/main" xmlns:r="http://schemas.openxmlformats.org/officeDocument/2006/relationships" xmlns:p="http://schemas.openxmlformats.org/presentationml/2006/main">
+  <p:cSld>
+    <p:spTree>
+      <p:nvGrpSpPr>
+        <p:cNvPr id="1" name=""/>
+        <p:cNvGrpSpPr/>
+        <p:nvPr/>
+      </p:nvGrpSpPr>
+      <p:grpSpPr>
+        <a:xfrm>
+          <a:off x="0" y="0"/>
+          <a:ext cx="0" cy="0"/>
+          <a:chOff x="0" y="0"/>
+          <a:chExt cx="0" cy="0"/>
+        </a:xfrm>
+      </p:grpSpPr>
+      <p:sp>
+        <p:nvSpPr>
+          <p:cNvPr id="2" name="Title 1">
+            <a:extLst>
+              <a:ext uri="{FF2B5EF4-FFF2-40B4-BE49-F238E27FC236}">
+                <a16:creationId xmlns:a16="http://schemas.microsoft.com/office/drawing/2014/main" id="{900AD881-4292-3942-BA86-91F62FAFA2BA}"/>
+              </a:ext>
+            </a:extLst>
+          </p:cNvPr>
+          <p:cNvSpPr>
+            <a:spLocks noGrp="1"/>
+          </p:cNvSpPr>
+          <p:nvPr>
+            <p:ph type="ctrTitle"/>
+          </p:nvPr>
+        </p:nvSpPr>
+        <p:spPr>
+          <a:xfrm>
+            <a:off x="1371600" y="914400"/>
+            <a:ext cx="7077456" cy="914400"/>
+          </a:xfrm>
+        </p:spPr>
+        <p:txBody>
+          <a:bodyPr lIns="0" rIns="0">
+            <a:noAutofit/>
+          </a:bodyPr>
+          <a:lstStyle/>
+          <a:p>
+            <a:pPr algn="l"/>
+            <a:r>
+              <a:rPr lang="en-US" b="1" spc="-150" dirty="0">
+                <a:solidFill>
+                  <a:schemeClr val="tx1">
+                    <a:lumMod val="75000"/>
+                    <a:lumOff val="25000"/>
+                  </a:schemeClr>
+                </a:solidFill>
+                <a:latin typeface="Corbel" panose="020B0503020204020204" pitchFamily="34" charset="0"/>
+                <a:cs typeface="Calibri" panose="020F0502020204030204" pitchFamily="34" charset="0"/>
+              </a:rPr>
+              <a:t>Controversy</a:t>
+            </a:r>
+          </a:p>
+        </p:txBody>
+      </p:sp>
+      <p:sp>
+        <p:nvSpPr>
+          <p:cNvPr id="6" name="Subtitle 2">
+            <a:extLst>
+              <a:ext uri="{FF2B5EF4-FFF2-40B4-BE49-F238E27FC236}">
+                <a16:creationId xmlns:a16="http://schemas.microsoft.com/office/drawing/2014/main" id="{EEF0D0AF-BA9D-BA4C-AB3F-F8D9E7955440}"/>
+              </a:ext>
+            </a:extLst>
+          </p:cNvPr>
+          <p:cNvSpPr txBox="1">
+            <a:spLocks/>
+          </p:cNvSpPr>
+          <p:nvPr/>
+        </p:nvSpPr>
+        <p:spPr>
+          <a:xfrm>
+            <a:off x="1267968" y="2061409"/>
+            <a:ext cx="9656064" cy="422344"/>
+          </a:xfrm>
+          <a:prstGeom prst="rect">
+            <a:avLst/>
+          </a:prstGeom>
+        </p:spPr>
+        <p:txBody>
+          <a:bodyPr vert="horz" lIns="0" tIns="45720" rIns="91440" bIns="45720" numCol="1" spcCol="365760" rtlCol="0">
+            <a:noAutofit/>
+          </a:bodyPr>
+          <a:lstStyle>
+            <a:lvl1pPr marL="0" indent="0" algn="ctr" defTabSz="914400" rtl="0" eaLnBrk="1" latinLnBrk="0" hangingPunct="1">
+              <a:lnSpc>
+                <a:spcPct val="90000"/>
+              </a:lnSpc>
+              <a:spcBef>
+                <a:spcPts val="1000"/>
+              </a:spcBef>
+              <a:buFont typeface="Arial" panose="020B0604020202020204" pitchFamily="34" charset="0"/>
+              <a:buNone/>
+              <a:defRPr sz="2400" kern="1200">
+                <a:solidFill>
+                  <a:schemeClr val="tx1"/>
+                </a:solidFill>
+                <a:latin typeface="+mn-lt"/>
+                <a:ea typeface="+mn-ea"/>
+                <a:cs typeface="+mn-cs"/>
+              </a:defRPr>
+            </a:lvl1pPr>
+            <a:lvl2pPr marL="457200" indent="0" algn="ctr" defTabSz="914400" rtl="0" eaLnBrk="1" latinLnBrk="0" hangingPunct="1">
+              <a:lnSpc>
+                <a:spcPct val="90000"/>
+              </a:lnSpc>
+              <a:spcBef>
+                <a:spcPts val="500"/>
+              </a:spcBef>
+              <a:buFont typeface="Arial" panose="020B0604020202020204" pitchFamily="34" charset="0"/>
+              <a:buNone/>
+              <a:defRPr sz="2000" kern="1200">
+                <a:solidFill>
+                  <a:schemeClr val="tx1"/>
+                </a:solidFill>
+                <a:latin typeface="+mn-lt"/>
+                <a:ea typeface="+mn-ea"/>
+                <a:cs typeface="+mn-cs"/>
+              </a:defRPr>
+            </a:lvl2pPr>
+            <a:lvl3pPr marL="914400" indent="0" algn="ctr" defTabSz="914400" rtl="0" eaLnBrk="1" latinLnBrk="0" hangingPunct="1">
+              <a:lnSpc>
+                <a:spcPct val="90000"/>
+              </a:lnSpc>
+              <a:spcBef>
+                <a:spcPts val="500"/>
+              </a:spcBef>
+              <a:buFont typeface="Arial" panose="020B0604020202020204" pitchFamily="34" charset="0"/>
+              <a:buNone/>
+              <a:defRPr sz="1800" kern="1200">
+                <a:solidFill>
+                  <a:schemeClr val="tx1"/>
+                </a:solidFill>
+                <a:latin typeface="+mn-lt"/>
+                <a:ea typeface="+mn-ea"/>
+                <a:cs typeface="+mn-cs"/>
+              </a:defRPr>
+            </a:lvl3pPr>
+            <a:lvl4pPr marL="1371600" indent="0" algn="ctr" defTabSz="914400" rtl="0" eaLnBrk="1" latinLnBrk="0" hangingPunct="1">
+              <a:lnSpc>
+                <a:spcPct val="90000"/>
+              </a:lnSpc>
+              <a:spcBef>
+                <a:spcPts val="500"/>
+              </a:spcBef>
+              <a:buFont typeface="Arial" panose="020B0604020202020204" pitchFamily="34" charset="0"/>
+              <a:buNone/>
+              <a:defRPr sz="1600" kern="1200">
+                <a:solidFill>
+                  <a:schemeClr val="tx1"/>
+                </a:solidFill>
+                <a:latin typeface="+mn-lt"/>
+                <a:ea typeface="+mn-ea"/>
+                <a:cs typeface="+mn-cs"/>
+              </a:defRPr>
+            </a:lvl4pPr>
+            <a:lvl5pPr marL="1828800" indent="0" algn="ctr" defTabSz="914400" rtl="0" eaLnBrk="1" latinLnBrk="0" hangingPunct="1">
+              <a:lnSpc>
+                <a:spcPct val="90000"/>
+              </a:lnSpc>
+              <a:spcBef>
+                <a:spcPts val="500"/>
+              </a:spcBef>
+              <a:buFont typeface="Arial" panose="020B0604020202020204" pitchFamily="34" charset="0"/>
+              <a:buNone/>
+              <a:defRPr sz="1600" kern="1200">
+                <a:solidFill>
+                  <a:schemeClr val="tx1"/>
+                </a:solidFill>
+                <a:latin typeface="+mn-lt"/>
+                <a:ea typeface="+mn-ea"/>
+                <a:cs typeface="+mn-cs"/>
+              </a:defRPr>
+            </a:lvl5pPr>
+            <a:lvl6pPr marL="2286000" indent="0" algn="ctr" defTabSz="914400" rtl="0" eaLnBrk="1" latinLnBrk="0" hangingPunct="1">
+              <a:lnSpc>
+                <a:spcPct val="90000"/>
+              </a:lnSpc>
+              <a:spcBef>
+                <a:spcPts val="500"/>
+              </a:spcBef>
+              <a:buFont typeface="Arial" panose="020B0604020202020204" pitchFamily="34" charset="0"/>
+              <a:buNone/>
+              <a:defRPr sz="1600" kern="1200">
+                <a:solidFill>
+                  <a:schemeClr val="tx1"/>
+                </a:solidFill>
+                <a:latin typeface="+mn-lt"/>
+                <a:ea typeface="+mn-ea"/>
+                <a:cs typeface="+mn-cs"/>
+              </a:defRPr>
+            </a:lvl6pPr>
+            <a:lvl7pPr marL="2743200" indent="0" algn="ctr" defTabSz="914400" rtl="0" eaLnBrk="1" latinLnBrk="0" hangingPunct="1">
+              <a:lnSpc>
+                <a:spcPct val="90000"/>
+              </a:lnSpc>
+              <a:spcBef>
+                <a:spcPts val="500"/>
+              </a:spcBef>
+              <a:buFont typeface="Arial" panose="020B0604020202020204" pitchFamily="34" charset="0"/>
+              <a:buNone/>
+              <a:defRPr sz="1600" kern="1200">
+                <a:solidFill>
+                  <a:schemeClr val="tx1"/>
+                </a:solidFill>
+                <a:latin typeface="+mn-lt"/>
+                <a:ea typeface="+mn-ea"/>
+                <a:cs typeface="+mn-cs"/>
+              </a:defRPr>
+            </a:lvl7pPr>
+            <a:lvl8pPr marL="3200400" indent="0" algn="ctr" defTabSz="914400" rtl="0" eaLnBrk="1" latinLnBrk="0" hangingPunct="1">
+              <a:lnSpc>
+                <a:spcPct val="90000"/>
+              </a:lnSpc>
+              <a:spcBef>
+                <a:spcPts val="500"/>
+              </a:spcBef>
+              <a:buFont typeface="Arial" panose="020B0604020202020204" pitchFamily="34" charset="0"/>
+              <a:buNone/>
+              <a:defRPr sz="1600" kern="1200">
+                <a:solidFill>
+                  <a:schemeClr val="tx1"/>
+                </a:solidFill>
+                <a:latin typeface="+mn-lt"/>
+                <a:ea typeface="+mn-ea"/>
+                <a:cs typeface="+mn-cs"/>
+              </a:defRPr>
+            </a:lvl8pPr>
+            <a:lvl9pPr marL="3657600" indent="0" algn="ctr" defTabSz="914400" rtl="0" eaLnBrk="1" latinLnBrk="0" hangingPunct="1">
+              <a:lnSpc>
+                <a:spcPct val="90000"/>
+              </a:lnSpc>
+              <a:spcBef>
+                <a:spcPts val="500"/>
+              </a:spcBef>
+              <a:buFont typeface="Arial" panose="020B0604020202020204" pitchFamily="34" charset="0"/>
+              <a:buNone/>
+              <a:defRPr sz="1600" kern="1200">
+                <a:solidFill>
+                  <a:schemeClr val="tx1"/>
+                </a:solidFill>
+                <a:latin typeface="+mn-lt"/>
+                <a:ea typeface="+mn-ea"/>
+                <a:cs typeface="+mn-cs"/>
+              </a:defRPr>
+            </a:lvl9pPr>
+          </a:lstStyle>
+          <a:p>
+            <a:pPr>
+              <a:lnSpc>
+                <a:spcPct val="100000"/>
+              </a:lnSpc>
+            </a:pPr>
+            <a:r>
+              <a:rPr lang="en-US" sz="1800" b="1" i="1" dirty="0">
+                <a:solidFill>
+                  <a:schemeClr val="bg2">
+                    <a:lumMod val="25000"/>
+                  </a:schemeClr>
+                </a:solidFill>
+                <a:latin typeface="Corbel" panose="020B0503020204020204" pitchFamily="34" charset="0"/>
+              </a:rPr>
+              <a:t>A bridge to far?</a:t>
+            </a:r>
+          </a:p>
+        </p:txBody>
+      </p:sp>
+      <p:sp>
+        <p:nvSpPr>
+          <p:cNvPr id="8" name="Rectangle 7">
+            <a:extLst>
+              <a:ext uri="{FF2B5EF4-FFF2-40B4-BE49-F238E27FC236}">
+                <a16:creationId xmlns:a16="http://schemas.microsoft.com/office/drawing/2014/main" id="{9A08752B-3956-1B49-A67C-A87B88B39B90}"/>
+              </a:ext>
+            </a:extLst>
+          </p:cNvPr>
+          <p:cNvSpPr/>
+          <p:nvPr/>
+        </p:nvSpPr>
+        <p:spPr>
+          <a:xfrm>
+            <a:off x="1371600" y="1923473"/>
+            <a:ext cx="365294" cy="45719"/>
+          </a:xfrm>
+          <a:prstGeom prst="rect">
+            <a:avLst/>
+          </a:prstGeom>
+          <a:blipFill dpi="0" rotWithShape="1">
+            <a:blip r:embed="rId2">
+              <a:extLst>
+                <a:ext uri="{28A0092B-C50C-407E-A947-70E740481C1C}">
+                  <a14:useLocalDpi xmlns:a14="http://schemas.microsoft.com/office/drawing/2010/main" val="0"/>
+                </a:ext>
+              </a:extLst>
+            </a:blip>
+            <a:srcRect/>
+            <a:stretch>
+              <a:fillRect/>
+            </a:stretch>
+          </a:blipFill>
+          <a:ln>
+            <a:noFill/>
+          </a:ln>
+        </p:spPr>
+        <p:style>
+          <a:lnRef idx="2">
+            <a:schemeClr val="accent1">
+              <a:shade val="50000"/>
+            </a:schemeClr>
+          </a:lnRef>
+          <a:fillRef idx="1">
+            <a:schemeClr val="accent1"/>
+          </a:fillRef>
+          <a:effectRef idx="0">
+            <a:schemeClr val="accent1"/>
+          </a:effectRef>
+          <a:fontRef idx="minor">
+            <a:schemeClr val="lt1"/>
+          </a:fontRef>
+        </p:style>
+        <p:txBody>
+          <a:bodyPr rtlCol="0" anchor="ctr"/>
+          <a:lstStyle/>
+          <a:p>
+            <a:pPr algn="ctr"/>
+            <a:endParaRPr lang="en-US" dirty="0">
+              <a:noFill/>
+            </a:endParaRPr>
+          </a:p>
+        </p:txBody>
+      </p:sp>
+      <p:sp>
+        <p:nvSpPr>
+          <p:cNvPr id="7" name="Rectangle 6">
+            <a:extLst>
+              <a:ext uri="{FF2B5EF4-FFF2-40B4-BE49-F238E27FC236}">
+                <a16:creationId xmlns:a16="http://schemas.microsoft.com/office/drawing/2014/main" id="{978ABF79-F3EC-0246-9BED-3803B4F6241E}"/>
+              </a:ext>
+            </a:extLst>
+          </p:cNvPr>
+          <p:cNvSpPr/>
+          <p:nvPr/>
+        </p:nvSpPr>
+        <p:spPr>
+          <a:xfrm>
+            <a:off x="0" y="6766560"/>
+            <a:ext cx="12192000" cy="91440"/>
+          </a:xfrm>
+          <a:prstGeom prst="rect">
+            <a:avLst/>
+          </a:prstGeom>
+          <a:blipFill dpi="0" rotWithShape="1">
+            <a:blip r:embed="rId2">
+              <a:extLst>
+                <a:ext uri="{28A0092B-C50C-407E-A947-70E740481C1C}">
+                  <a14:useLocalDpi xmlns:a14="http://schemas.microsoft.com/office/drawing/2010/main" val="0"/>
+                </a:ext>
+              </a:extLst>
+            </a:blip>
+            <a:srcRect/>
+            <a:stretch>
+              <a:fillRect/>
+            </a:stretch>
+          </a:blipFill>
+          <a:ln>
+            <a:noFill/>
+          </a:ln>
+        </p:spPr>
+        <p:style>
+          <a:lnRef idx="2">
+            <a:schemeClr val="accent1">
+              <a:shade val="50000"/>
+            </a:schemeClr>
+          </a:lnRef>
+          <a:fillRef idx="1">
+            <a:schemeClr val="accent1"/>
+          </a:fillRef>
+          <a:effectRef idx="0">
+            <a:schemeClr val="accent1"/>
+          </a:effectRef>
+          <a:fontRef idx="minor">
+            <a:schemeClr val="lt1"/>
+          </a:fontRef>
+        </p:style>
+        <p:txBody>
+          <a:bodyPr rtlCol="0" anchor="ctr"/>
+          <a:lstStyle/>
+          <a:p>
+            <a:pPr algn="ctr"/>
+            <a:r>
+              <a:rPr lang="en-US" dirty="0">
+                <a:noFill/>
+              </a:rPr>
+              <a:t>          </a:t>
+            </a:r>
+          </a:p>
+        </p:txBody>
+      </p:sp>
+      <p:sp>
+        <p:nvSpPr>
+          <p:cNvPr id="11" name="Subtitle 2">
+            <a:extLst>
+              <a:ext uri="{FF2B5EF4-FFF2-40B4-BE49-F238E27FC236}">
+                <a16:creationId xmlns:a16="http://schemas.microsoft.com/office/drawing/2014/main" id="{540D1D29-5422-3C45-AE18-D2704579EA3C}"/>
+              </a:ext>
+            </a:extLst>
+          </p:cNvPr>
+          <p:cNvSpPr txBox="1">
+            <a:spLocks/>
+          </p:cNvSpPr>
+          <p:nvPr/>
+        </p:nvSpPr>
+        <p:spPr>
+          <a:xfrm>
+            <a:off x="1371600" y="566928"/>
+            <a:ext cx="1828800" cy="347472"/>
+          </a:xfrm>
+          <a:prstGeom prst="rect">
+            <a:avLst/>
+          </a:prstGeom>
+        </p:spPr>
+        <p:txBody>
+          <a:bodyPr vert="horz" lIns="0" tIns="45720" rIns="91440" bIns="45720" rtlCol="0">
+            <a:normAutofit/>
+          </a:bodyPr>
+          <a:lstStyle>
+            <a:lvl1pPr marL="0" indent="0" algn="ctr" defTabSz="914400" rtl="0" eaLnBrk="1" latinLnBrk="0" hangingPunct="1">
+              <a:lnSpc>
+                <a:spcPct val="90000"/>
+              </a:lnSpc>
+              <a:spcBef>
+                <a:spcPts val="1000"/>
+              </a:spcBef>
+              <a:buFont typeface="Arial" panose="020B0604020202020204" pitchFamily="34" charset="0"/>
+              <a:buNone/>
+              <a:defRPr sz="2400" kern="1200">
+                <a:solidFill>
+                  <a:schemeClr val="tx1"/>
+                </a:solidFill>
+                <a:latin typeface="+mn-lt"/>
+                <a:ea typeface="+mn-ea"/>
+                <a:cs typeface="+mn-cs"/>
+              </a:defRPr>
+            </a:lvl1pPr>
+            <a:lvl2pPr marL="457200" indent="0" algn="ctr" defTabSz="914400" rtl="0" eaLnBrk="1" latinLnBrk="0" hangingPunct="1">
+              <a:lnSpc>
+                <a:spcPct val="90000"/>
+              </a:lnSpc>
+              <a:spcBef>
+                <a:spcPts val="500"/>
+              </a:spcBef>
+              <a:buFont typeface="Arial" panose="020B0604020202020204" pitchFamily="34" charset="0"/>
+              <a:buNone/>
+              <a:defRPr sz="2000" kern="1200">
+                <a:solidFill>
+                  <a:schemeClr val="tx1"/>
+                </a:solidFill>
+                <a:latin typeface="+mn-lt"/>
+                <a:ea typeface="+mn-ea"/>
+                <a:cs typeface="+mn-cs"/>
+              </a:defRPr>
+            </a:lvl2pPr>
+            <a:lvl3pPr marL="914400" indent="0" algn="ctr" defTabSz="914400" rtl="0" eaLnBrk="1" latinLnBrk="0" hangingPunct="1">
+              <a:lnSpc>
+                <a:spcPct val="90000"/>
+              </a:lnSpc>
+              <a:spcBef>
+                <a:spcPts val="500"/>
+              </a:spcBef>
+              <a:buFont typeface="Arial" panose="020B0604020202020204" pitchFamily="34" charset="0"/>
+              <a:buNone/>
+              <a:defRPr sz="1800" kern="1200">
+                <a:solidFill>
+                  <a:schemeClr val="tx1"/>
+                </a:solidFill>
+                <a:latin typeface="+mn-lt"/>
+                <a:ea typeface="+mn-ea"/>
+                <a:cs typeface="+mn-cs"/>
+              </a:defRPr>
+            </a:lvl3pPr>
+            <a:lvl4pPr marL="1371600" indent="0" algn="ctr" defTabSz="914400" rtl="0" eaLnBrk="1" latinLnBrk="0" hangingPunct="1">
+              <a:lnSpc>
+                <a:spcPct val="90000"/>
+              </a:lnSpc>
+              <a:spcBef>
+                <a:spcPts val="500"/>
+              </a:spcBef>
+              <a:buFont typeface="Arial" panose="020B0604020202020204" pitchFamily="34" charset="0"/>
+              <a:buNone/>
+              <a:defRPr sz="1600" kern="1200">
+                <a:solidFill>
+                  <a:schemeClr val="tx1"/>
+                </a:solidFill>
+                <a:latin typeface="+mn-lt"/>
+                <a:ea typeface="+mn-ea"/>
+                <a:cs typeface="+mn-cs"/>
+              </a:defRPr>
+            </a:lvl4pPr>
+            <a:lvl5pPr marL="1828800" indent="0" algn="ctr" defTabSz="914400" rtl="0" eaLnBrk="1" latinLnBrk="0" hangingPunct="1">
+              <a:lnSpc>
+                <a:spcPct val="90000"/>
+              </a:lnSpc>
+              <a:spcBef>
+                <a:spcPts val="500"/>
+              </a:spcBef>
+              <a:buFont typeface="Arial" panose="020B0604020202020204" pitchFamily="34" charset="0"/>
+              <a:buNone/>
+              <a:defRPr sz="1600" kern="1200">
+                <a:solidFill>
+                  <a:schemeClr val="tx1"/>
+                </a:solidFill>
+                <a:latin typeface="+mn-lt"/>
+                <a:ea typeface="+mn-ea"/>
+                <a:cs typeface="+mn-cs"/>
+              </a:defRPr>
+            </a:lvl5pPr>
+            <a:lvl6pPr marL="2286000" indent="0" algn="ctr" defTabSz="914400" rtl="0" eaLnBrk="1" latinLnBrk="0" hangingPunct="1">
+              <a:lnSpc>
+                <a:spcPct val="90000"/>
+              </a:lnSpc>
+              <a:spcBef>
+                <a:spcPts val="500"/>
+              </a:spcBef>
+              <a:buFont typeface="Arial" panose="020B0604020202020204" pitchFamily="34" charset="0"/>
+              <a:buNone/>
+              <a:defRPr sz="1600" kern="1200">
+                <a:solidFill>
+                  <a:schemeClr val="tx1"/>
+                </a:solidFill>
+                <a:latin typeface="+mn-lt"/>
+                <a:ea typeface="+mn-ea"/>
+                <a:cs typeface="+mn-cs"/>
+              </a:defRPr>
+            </a:lvl6pPr>
+            <a:lvl7pPr marL="2743200" indent="0" algn="ctr" defTabSz="914400" rtl="0" eaLnBrk="1" latinLnBrk="0" hangingPunct="1">
+              <a:lnSpc>
+                <a:spcPct val="90000"/>
+              </a:lnSpc>
+              <a:spcBef>
+                <a:spcPts val="500"/>
+              </a:spcBef>
+              <a:buFont typeface="Arial" panose="020B0604020202020204" pitchFamily="34" charset="0"/>
+              <a:buNone/>
+              <a:defRPr sz="1600" kern="1200">
+                <a:solidFill>
+                  <a:schemeClr val="tx1"/>
+                </a:solidFill>
+                <a:latin typeface="+mn-lt"/>
+                <a:ea typeface="+mn-ea"/>
+                <a:cs typeface="+mn-cs"/>
+              </a:defRPr>
+            </a:lvl7pPr>
+            <a:lvl8pPr marL="3200400" indent="0" algn="ctr" defTabSz="914400" rtl="0" eaLnBrk="1" latinLnBrk="0" hangingPunct="1">
+              <a:lnSpc>
+                <a:spcPct val="90000"/>
+              </a:lnSpc>
+              <a:spcBef>
+                <a:spcPts val="500"/>
+              </a:spcBef>
+              <a:buFont typeface="Arial" panose="020B0604020202020204" pitchFamily="34" charset="0"/>
+              <a:buNone/>
+              <a:defRPr sz="1600" kern="1200">
+                <a:solidFill>
+                  <a:schemeClr val="tx1"/>
+                </a:solidFill>
+                <a:latin typeface="+mn-lt"/>
+                <a:ea typeface="+mn-ea"/>
+                <a:cs typeface="+mn-cs"/>
+              </a:defRPr>
+            </a:lvl8pPr>
+            <a:lvl9pPr marL="3657600" indent="0" algn="ctr" defTabSz="914400" rtl="0" eaLnBrk="1" latinLnBrk="0" hangingPunct="1">
+              <a:lnSpc>
+                <a:spcPct val="90000"/>
+              </a:lnSpc>
+              <a:spcBef>
+                <a:spcPts val="500"/>
+              </a:spcBef>
+              <a:buFont typeface="Arial" panose="020B0604020202020204" pitchFamily="34" charset="0"/>
+              <a:buNone/>
+              <a:defRPr sz="1600" kern="1200">
+                <a:solidFill>
+                  <a:schemeClr val="tx1"/>
+                </a:solidFill>
+                <a:latin typeface="+mn-lt"/>
+                <a:ea typeface="+mn-ea"/>
+                <a:cs typeface="+mn-cs"/>
+              </a:defRPr>
+            </a:lvl9pPr>
+          </a:lstStyle>
+          <a:p>
+            <a:pPr algn="l"/>
+            <a:r>
+              <a:rPr lang="en-US" sz="1800" dirty="0">
+                <a:solidFill>
+                  <a:schemeClr val="tx1">
+                    <a:lumMod val="50000"/>
+                    <a:lumOff val="50000"/>
+                  </a:schemeClr>
+                </a:solidFill>
+                <a:latin typeface="Corbel" panose="020B0503020204020204" pitchFamily="34" charset="0"/>
+              </a:rPr>
+              <a:t>Outside Research</a:t>
+            </a:r>
+          </a:p>
+        </p:txBody>
+      </p:sp>
+      <p:sp>
+        <p:nvSpPr>
+          <p:cNvPr id="13" name="TextBox 12">
+            <a:extLst>
+              <a:ext uri="{FF2B5EF4-FFF2-40B4-BE49-F238E27FC236}">
+                <a16:creationId xmlns:a16="http://schemas.microsoft.com/office/drawing/2014/main" id="{63FF6131-3717-7C46-978F-6EE11238A91F}"/>
+              </a:ext>
+            </a:extLst>
+          </p:cNvPr>
+          <p:cNvSpPr txBox="1"/>
+          <p:nvPr/>
+        </p:nvSpPr>
+        <p:spPr>
+          <a:xfrm>
+            <a:off x="11027664" y="217444"/>
+            <a:ext cx="987552" cy="523220"/>
+          </a:xfrm>
+          <a:prstGeom prst="rect">
+            <a:avLst/>
+          </a:prstGeom>
+          <a:noFill/>
+          <a:ln>
+            <a:noFill/>
+          </a:ln>
+        </p:spPr>
+        <p:txBody>
+          <a:bodyPr wrap="square" rtlCol="0">
+            <a:spAutoFit/>
+          </a:bodyPr>
+          <a:lstStyle/>
+          <a:p>
+            <a:r>
+              <a:rPr lang="en-US" sz="2800" b="1" dirty="0">
+                <a:solidFill>
+                  <a:schemeClr val="bg2">
+                    <a:lumMod val="90000"/>
+                  </a:schemeClr>
+                </a:solidFill>
+                <a:latin typeface="Corbel" panose="020B0503020204020204" pitchFamily="34" charset="0"/>
+              </a:rPr>
+              <a:t>WSU</a:t>
+            </a:r>
+          </a:p>
+        </p:txBody>
+      </p:sp>
+      <p:sp>
+        <p:nvSpPr>
+          <p:cNvPr id="3" name="Subtitle 2">
+            <a:extLst>
+              <a:ext uri="{FF2B5EF4-FFF2-40B4-BE49-F238E27FC236}">
+                <a16:creationId xmlns:a16="http://schemas.microsoft.com/office/drawing/2014/main" id="{81FFF3BE-6B18-CAC8-9D75-56721A90439C}"/>
+              </a:ext>
+            </a:extLst>
+          </p:cNvPr>
+          <p:cNvSpPr txBox="1">
+            <a:spLocks/>
+          </p:cNvSpPr>
+          <p:nvPr/>
+        </p:nvSpPr>
+        <p:spPr>
+          <a:xfrm>
+            <a:off x="1431984" y="2483753"/>
+            <a:ext cx="9595679" cy="3940789"/>
+          </a:xfrm>
+          <a:prstGeom prst="rect">
+            <a:avLst/>
+          </a:prstGeom>
+        </p:spPr>
+        <p:txBody>
+          <a:bodyPr vert="horz" lIns="91440" tIns="45720" rIns="91440" bIns="45720" numCol="1" spcCol="365760" rtlCol="0">
+            <a:noAutofit/>
+          </a:bodyPr>
+          <a:lstStyle>
+            <a:lvl1pPr marL="0" indent="0" algn="ctr" defTabSz="914400" rtl="0" eaLnBrk="1" latinLnBrk="0" hangingPunct="1">
+              <a:lnSpc>
+                <a:spcPct val="90000"/>
+              </a:lnSpc>
+              <a:spcBef>
+                <a:spcPts val="1000"/>
+              </a:spcBef>
+              <a:buFont typeface="Arial" panose="020B0604020202020204" pitchFamily="34" charset="0"/>
+              <a:buNone/>
+              <a:defRPr sz="2400" kern="1200">
+                <a:solidFill>
+                  <a:schemeClr val="tx1"/>
+                </a:solidFill>
+                <a:latin typeface="+mn-lt"/>
+                <a:ea typeface="+mn-ea"/>
+                <a:cs typeface="+mn-cs"/>
+              </a:defRPr>
+            </a:lvl1pPr>
+            <a:lvl2pPr marL="457200" indent="0" algn="ctr" defTabSz="914400" rtl="0" eaLnBrk="1" latinLnBrk="0" hangingPunct="1">
+              <a:lnSpc>
+                <a:spcPct val="90000"/>
+              </a:lnSpc>
+              <a:spcBef>
+                <a:spcPts val="500"/>
+              </a:spcBef>
+              <a:buFont typeface="Arial" panose="020B0604020202020204" pitchFamily="34" charset="0"/>
+              <a:buNone/>
+              <a:defRPr sz="2000" kern="1200">
+                <a:solidFill>
+                  <a:schemeClr val="tx1"/>
+                </a:solidFill>
+                <a:latin typeface="+mn-lt"/>
+                <a:ea typeface="+mn-ea"/>
+                <a:cs typeface="+mn-cs"/>
+              </a:defRPr>
+            </a:lvl2pPr>
+            <a:lvl3pPr marL="914400" indent="0" algn="ctr" defTabSz="914400" rtl="0" eaLnBrk="1" latinLnBrk="0" hangingPunct="1">
+              <a:lnSpc>
+                <a:spcPct val="90000"/>
+              </a:lnSpc>
+              <a:spcBef>
+                <a:spcPts val="500"/>
+              </a:spcBef>
+              <a:buFont typeface="Arial" panose="020B0604020202020204" pitchFamily="34" charset="0"/>
+              <a:buNone/>
+              <a:defRPr sz="1800" kern="1200">
+                <a:solidFill>
+                  <a:schemeClr val="tx1"/>
+                </a:solidFill>
+                <a:latin typeface="+mn-lt"/>
+                <a:ea typeface="+mn-ea"/>
+                <a:cs typeface="+mn-cs"/>
+              </a:defRPr>
+            </a:lvl3pPr>
+            <a:lvl4pPr marL="1371600" indent="0" algn="ctr" defTabSz="914400" rtl="0" eaLnBrk="1" latinLnBrk="0" hangingPunct="1">
+              <a:lnSpc>
+                <a:spcPct val="90000"/>
+              </a:lnSpc>
+              <a:spcBef>
+                <a:spcPts val="500"/>
+              </a:spcBef>
+              <a:buFont typeface="Arial" panose="020B0604020202020204" pitchFamily="34" charset="0"/>
+              <a:buNone/>
+              <a:defRPr sz="1600" kern="1200">
+                <a:solidFill>
+                  <a:schemeClr val="tx1"/>
+                </a:solidFill>
+                <a:latin typeface="+mn-lt"/>
+                <a:ea typeface="+mn-ea"/>
+                <a:cs typeface="+mn-cs"/>
+              </a:defRPr>
+            </a:lvl4pPr>
+            <a:lvl5pPr marL="1828800" indent="0" algn="ctr" defTabSz="914400" rtl="0" eaLnBrk="1" latinLnBrk="0" hangingPunct="1">
+              <a:lnSpc>
+                <a:spcPct val="90000"/>
+              </a:lnSpc>
+              <a:spcBef>
+                <a:spcPts val="500"/>
+              </a:spcBef>
+              <a:buFont typeface="Arial" panose="020B0604020202020204" pitchFamily="34" charset="0"/>
+              <a:buNone/>
+              <a:defRPr sz="1600" kern="1200">
+                <a:solidFill>
+                  <a:schemeClr val="tx1"/>
+                </a:solidFill>
+                <a:latin typeface="+mn-lt"/>
+                <a:ea typeface="+mn-ea"/>
+                <a:cs typeface="+mn-cs"/>
+              </a:defRPr>
+            </a:lvl5pPr>
+            <a:lvl6pPr marL="2286000" indent="0" algn="ctr" defTabSz="914400" rtl="0" eaLnBrk="1" latinLnBrk="0" hangingPunct="1">
+              <a:lnSpc>
+                <a:spcPct val="90000"/>
+              </a:lnSpc>
+              <a:spcBef>
+                <a:spcPts val="500"/>
+              </a:spcBef>
+              <a:buFont typeface="Arial" panose="020B0604020202020204" pitchFamily="34" charset="0"/>
+              <a:buNone/>
+              <a:defRPr sz="1600" kern="1200">
+                <a:solidFill>
+                  <a:schemeClr val="tx1"/>
+                </a:solidFill>
+                <a:latin typeface="+mn-lt"/>
+                <a:ea typeface="+mn-ea"/>
+                <a:cs typeface="+mn-cs"/>
+              </a:defRPr>
+            </a:lvl6pPr>
+            <a:lvl7pPr marL="2743200" indent="0" algn="ctr" defTabSz="914400" rtl="0" eaLnBrk="1" latinLnBrk="0" hangingPunct="1">
+              <a:lnSpc>
+                <a:spcPct val="90000"/>
+              </a:lnSpc>
+              <a:spcBef>
+                <a:spcPts val="500"/>
+              </a:spcBef>
+              <a:buFont typeface="Arial" panose="020B0604020202020204" pitchFamily="34" charset="0"/>
+              <a:buNone/>
+              <a:defRPr sz="1600" kern="1200">
+                <a:solidFill>
+                  <a:schemeClr val="tx1"/>
+                </a:solidFill>
+                <a:latin typeface="+mn-lt"/>
+                <a:ea typeface="+mn-ea"/>
+                <a:cs typeface="+mn-cs"/>
+              </a:defRPr>
+            </a:lvl7pPr>
+            <a:lvl8pPr marL="3200400" indent="0" algn="ctr" defTabSz="914400" rtl="0" eaLnBrk="1" latinLnBrk="0" hangingPunct="1">
+              <a:lnSpc>
+                <a:spcPct val="90000"/>
+              </a:lnSpc>
+              <a:spcBef>
+                <a:spcPts val="500"/>
+              </a:spcBef>
+              <a:buFont typeface="Arial" panose="020B0604020202020204" pitchFamily="34" charset="0"/>
+              <a:buNone/>
+              <a:defRPr sz="1600" kern="1200">
+                <a:solidFill>
+                  <a:schemeClr val="tx1"/>
+                </a:solidFill>
+                <a:latin typeface="+mn-lt"/>
+                <a:ea typeface="+mn-ea"/>
+                <a:cs typeface="+mn-cs"/>
+              </a:defRPr>
+            </a:lvl8pPr>
+            <a:lvl9pPr marL="3657600" indent="0" algn="ctr" defTabSz="914400" rtl="0" eaLnBrk="1" latinLnBrk="0" hangingPunct="1">
+              <a:lnSpc>
+                <a:spcPct val="90000"/>
+              </a:lnSpc>
+              <a:spcBef>
+                <a:spcPts val="500"/>
+              </a:spcBef>
+              <a:buFont typeface="Arial" panose="020B0604020202020204" pitchFamily="34" charset="0"/>
+              <a:buNone/>
+              <a:defRPr sz="1600" kern="1200">
+                <a:solidFill>
+                  <a:schemeClr val="tx1"/>
+                </a:solidFill>
+                <a:latin typeface="+mn-lt"/>
+                <a:ea typeface="+mn-ea"/>
+                <a:cs typeface="+mn-cs"/>
+              </a:defRPr>
+            </a:lvl9pPr>
+          </a:lstStyle>
+          <a:p>
+            <a:pPr algn="l"/>
+            <a:r>
+              <a:rPr lang="en-US" b="1" dirty="0">
+                <a:solidFill>
+                  <a:srgbClr val="9E0605"/>
+                </a:solidFill>
+                <a:latin typeface="Corbel" panose="020B0503020204020204" pitchFamily="34" charset="0"/>
+              </a:rPr>
+              <a:t>Morningstar</a:t>
+            </a:r>
+          </a:p>
+          <a:p>
+            <a:pPr algn="l"/>
+            <a:r>
+              <a:rPr lang="en-US" sz="1800" dirty="0">
+                <a:solidFill>
+                  <a:schemeClr val="bg2">
+                    <a:lumMod val="25000"/>
+                  </a:schemeClr>
+                </a:solidFill>
+              </a:rPr>
+              <a:t>“Unfortunately, the authors… took the much bolder step of claiming that active share conveys </a:t>
+            </a:r>
+            <a:r>
+              <a:rPr lang="en-US" sz="1800" i="1" dirty="0">
+                <a:solidFill>
+                  <a:schemeClr val="bg2">
+                    <a:lumMod val="25000"/>
+                  </a:schemeClr>
+                </a:solidFill>
+              </a:rPr>
+              <a:t>merit.”</a:t>
+            </a:r>
+          </a:p>
+          <a:p>
+            <a:pPr algn="l"/>
+            <a:r>
+              <a:rPr lang="en-US" sz="1800" dirty="0">
+                <a:hlinkClick r:id="rId3"/>
+              </a:rPr>
+              <a:t>The Great Disappointment of Active Share | Morningstar</a:t>
+            </a:r>
+            <a:endParaRPr lang="en-US" dirty="0">
+              <a:solidFill>
+                <a:schemeClr val="bg2">
+                  <a:lumMod val="25000"/>
+                </a:schemeClr>
+              </a:solidFill>
+            </a:endParaRPr>
+          </a:p>
+          <a:p>
+            <a:pPr algn="l"/>
+            <a:r>
+              <a:rPr lang="en-US" b="1" dirty="0">
+                <a:solidFill>
+                  <a:srgbClr val="9E0605"/>
+                </a:solidFill>
+                <a:latin typeface="Corbel" panose="020B0503020204020204" pitchFamily="34" charset="0"/>
+              </a:rPr>
+              <a:t>The Wall Street Journal</a:t>
+            </a:r>
+          </a:p>
+          <a:p>
+            <a:pPr algn="l"/>
+            <a:r>
+              <a:rPr lang="en-US" sz="1800" dirty="0">
+                <a:solidFill>
+                  <a:schemeClr val="bg2">
+                    <a:lumMod val="25000"/>
+                  </a:schemeClr>
+                </a:solidFill>
+              </a:rPr>
+              <a:t>“There’s a lot that active share isn’t capturing.” – Russel </a:t>
+            </a:r>
+            <a:r>
+              <a:rPr lang="en-US" sz="1800" dirty="0" err="1">
+                <a:solidFill>
+                  <a:schemeClr val="bg2">
+                    <a:lumMod val="25000"/>
+                  </a:schemeClr>
+                </a:solidFill>
+              </a:rPr>
+              <a:t>Kinnel</a:t>
+            </a:r>
+            <a:endParaRPr lang="en-US" sz="1800" dirty="0">
+              <a:solidFill>
+                <a:schemeClr val="bg2">
+                  <a:lumMod val="25000"/>
+                </a:schemeClr>
+              </a:solidFill>
+            </a:endParaRPr>
+          </a:p>
+          <a:p>
+            <a:pPr algn="l"/>
+            <a:r>
+              <a:rPr lang="en-US" sz="1800" dirty="0">
+                <a:hlinkClick r:id="rId4"/>
+              </a:rPr>
+              <a:t>How ‘Active’ Is Your Fund Manager? | WSJ</a:t>
+            </a:r>
+            <a:endParaRPr lang="en-US" sz="3200" b="1" dirty="0">
+              <a:solidFill>
+                <a:srgbClr val="9E0605"/>
+              </a:solidFill>
+              <a:latin typeface="Corbel" panose="020B0503020204020204" pitchFamily="34" charset="0"/>
+            </a:endParaRPr>
+          </a:p>
+          <a:p>
+            <a:pPr algn="l"/>
+            <a:r>
+              <a:rPr lang="en-US" b="1" dirty="0">
+                <a:solidFill>
+                  <a:srgbClr val="9E0605"/>
+                </a:solidFill>
+                <a:latin typeface="Corbel" panose="020B0503020204020204" pitchFamily="34" charset="0"/>
+              </a:rPr>
+              <a:t>Fidelity</a:t>
+            </a:r>
+          </a:p>
+          <a:p>
+            <a:pPr algn="l"/>
+            <a:r>
+              <a:rPr lang="en-US" sz="1800" dirty="0">
+                <a:solidFill>
+                  <a:schemeClr val="bg2">
+                    <a:lumMod val="25000"/>
+                  </a:schemeClr>
+                </a:solidFill>
+              </a:rPr>
+              <a:t>“Active Share: A Misunderstood Measure in Manager Selection.” </a:t>
+            </a:r>
+            <a:endParaRPr lang="en-US" sz="1800" i="1" dirty="0">
+              <a:solidFill>
+                <a:schemeClr val="bg2">
+                  <a:lumMod val="25000"/>
+                </a:schemeClr>
+              </a:solidFill>
+            </a:endParaRPr>
+          </a:p>
+          <a:p>
+            <a:pPr algn="l"/>
+            <a:r>
+              <a:rPr lang="en-US" sz="1800" dirty="0">
+                <a:hlinkClick r:id="rId5" action="ppaction://hlinkfile"/>
+              </a:rPr>
+              <a:t>Active Share Study | Fidelity Investments</a:t>
+            </a:r>
+            <a:endParaRPr lang="en-US" sz="1800" b="1" dirty="0">
+              <a:solidFill>
+                <a:srgbClr val="9E0605"/>
+              </a:solidFill>
+              <a:latin typeface="Corbel" panose="020B0503020204020204" pitchFamily="34" charset="0"/>
+            </a:endParaRPr>
+          </a:p>
+          <a:p>
+            <a:pPr algn="l"/>
+            <a:endParaRPr lang="en-US" b="1" dirty="0">
+              <a:solidFill>
+                <a:srgbClr val="9E0605"/>
+              </a:solidFill>
+              <a:latin typeface="Corbel" panose="020B0503020204020204" pitchFamily="34" charset="0"/>
+            </a:endParaRPr>
+          </a:p>
+          <a:p>
+            <a:pPr algn="l"/>
+            <a:endParaRPr lang="en-US" dirty="0">
+              <a:solidFill>
+                <a:schemeClr val="tx1">
+                  <a:lumMod val="65000"/>
+                  <a:lumOff val="35000"/>
+                </a:schemeClr>
+              </a:solidFill>
+              <a:latin typeface="Corbel" panose="020B0503020204020204" pitchFamily="34" charset="0"/>
+            </a:endParaRPr>
+          </a:p>
+        </p:txBody>
+      </p:sp>
+    </p:spTree>
+    <p:extLst>
+      <p:ext uri="{BB962C8B-B14F-4D97-AF65-F5344CB8AC3E}">
+        <p14:creationId xmlns:p14="http://schemas.microsoft.com/office/powerpoint/2010/main" val="2025226423"/>
+      </p:ext>
+    </p:extLst>
+  </p:cSld>
+  <p:clrMapOvr>
+    <a:masterClrMapping/>
+  </p:clrMapOvr>
+</p:sld>
+</file>
+
+<file path=ppt/slides/slide11.xml><?xml version="1.0" encoding="utf-8"?>
 <p:sld xmlns:a="http://schemas.openxmlformats.org/drawingml/2006/main" xmlns:r="http://schemas.openxmlformats.org/officeDocument/2006/relationships" xmlns:p="http://schemas.openxmlformats.org/presentationml/2006/main">
   <p:cSld>
     <p:spTree>
@@ -10474,7 +11514,10 @@
             </a:r>
           </a:p>
           <a:p>
-            <a:pPr algn="l"/>
+            <a:pPr marL="342900" indent="-342900" algn="l">
+              <a:buFont typeface="Wingdings" panose="05000000000000000000" pitchFamily="2" charset="2"/>
+              <a:buChar char="ü"/>
+            </a:pPr>
             <a:r>
               <a:rPr lang="en-US" sz="1600" dirty="0">
                 <a:solidFill>
@@ -10483,11 +11526,34 @@
                   </a:schemeClr>
                 </a:solidFill>
               </a:rPr>
-              <a:t>Involves picking individual stocks that the manager expects to outperform their peers.  </a:t>
+              <a:t>Involves </a:t>
             </a:r>
-          </a:p>
-          <a:p>
-            <a:pPr algn="l"/>
+            <a:r>
+              <a:rPr lang="en-US" sz="1600" b="1" dirty="0">
+                <a:solidFill>
+                  <a:schemeClr val="bg2">
+                    <a:lumMod val="25000"/>
+                  </a:schemeClr>
+                </a:solidFill>
+              </a:rPr>
+              <a:t>picking individual stocks </a:t>
+            </a:r>
+            <a:r>
+              <a:rPr lang="en-US" sz="1600" dirty="0">
+                <a:solidFill>
+                  <a:schemeClr val="bg2">
+                    <a:lumMod val="25000"/>
+                  </a:schemeClr>
+                </a:solidFill>
+              </a:rPr>
+              <a:t>that the manager expects to outperform their peers.  </a:t>
+            </a:r>
+          </a:p>
+          <a:p>
+            <a:pPr marL="342900" indent="-342900" algn="l">
+              <a:buFont typeface="Wingdings" panose="05000000000000000000" pitchFamily="2" charset="2"/>
+              <a:buChar char="ü"/>
+            </a:pPr>
             <a:r>
               <a:rPr lang="en-US" sz="1600" dirty="0">
                 <a:solidFill>
@@ -10519,7 +11585,10 @@
             </a:r>
           </a:p>
           <a:p>
-            <a:pPr algn="l"/>
+            <a:pPr marL="285750" indent="-285750" algn="l">
+              <a:buFont typeface="Wingdings" panose="05000000000000000000" pitchFamily="2" charset="2"/>
+              <a:buChar char="ü"/>
+            </a:pPr>
             <a:r>
               <a:rPr lang="en-US" sz="1600" dirty="0">
                 <a:solidFill>
@@ -10528,7 +11597,27 @@
                   </a:schemeClr>
                 </a:solidFill>
               </a:rPr>
-              <a:t>Involves time-varying bets on systematic risk factors such as entire industries, sectors of the economy, or any systematic risk relative to the benchmark index</a:t>
+              <a:t>Involves </a:t>
+            </a:r>
+            <a:r>
+              <a:rPr lang="en-US" sz="1600" b="1" dirty="0">
+                <a:solidFill>
+                  <a:schemeClr val="bg2">
+                    <a:lumMod val="25000"/>
+                  </a:schemeClr>
+                </a:solidFill>
+              </a:rPr>
+              <a:t>time-varying bets on systematic risk factors</a:t>
+            </a:r>
+            <a:r>
+              <a:rPr lang="en-US" sz="1600" dirty="0">
+                <a:solidFill>
+                  <a:schemeClr val="bg2">
+                    <a:lumMod val="25000"/>
+                  </a:schemeClr>
+                </a:solidFill>
+              </a:rPr>
+              <a:t> such as entire industries, sectors of the economy, or any systematic risk relative to the benchmark index</a:t>
             </a:r>
           </a:p>
           <a:p>
@@ -12364,7 +13453,7 @@
                 </a:solidFill>
                 <a:latin typeface="Corbel" panose="020B0503020204020204" pitchFamily="34" charset="0"/>
               </a:rPr>
-              <a:t>– “sector rotator” which focuses actively picking entire sectors and industries to outperform the benchmark</a:t>
+              <a:t>– “sector rotator” which focuses on actively picking entire sectors and industries to outperform the benchmark</a:t>
             </a:r>
           </a:p>
         </p:txBody>
@@ -14087,7 +15176,7 @@
         </p:nvSpPr>
         <p:spPr>
           <a:xfrm>
-            <a:off x="1758139" y="3223372"/>
+            <a:off x="1758139" y="3433201"/>
             <a:ext cx="2886864" cy="789877"/>
           </a:xfrm>
           <a:prstGeom prst="rect">
@@ -14298,7 +15387,7 @@
         </p:nvSpPr>
         <p:spPr>
           <a:xfrm>
-            <a:off x="7546999" y="3302453"/>
+            <a:off x="7546999" y="3433201"/>
             <a:ext cx="3582905" cy="842554"/>
           </a:xfrm>
           <a:prstGeom prst="rect">
@@ -16996,29 +18085,59 @@
           <a:p>
             <a:pPr algn="l"/>
             <a:r>
-              <a:rPr lang="en-US" sz="1600" dirty="0">
+              <a:rPr lang="en-US" sz="1800" b="1" dirty="0">
                 <a:solidFill>
                   <a:schemeClr val="bg2">
                     <a:lumMod val="25000"/>
                   </a:schemeClr>
                 </a:solidFill>
               </a:rPr>
-              <a:t>Authors include essentially all indexes used by the funds themselves over the sample period.  </a:t>
+              <a:t>Authors include essentially all indexes</a:t>
             </a:r>
-          </a:p>
-          <a:p>
-            <a:pPr algn="l"/>
             <a:r>
-              <a:rPr lang="en-US" sz="1600" dirty="0">
+              <a:rPr lang="en-US" sz="1800" dirty="0">
                 <a:solidFill>
                   <a:schemeClr val="bg2">
                     <a:lumMod val="25000"/>
                   </a:schemeClr>
                 </a:solidFill>
               </a:rPr>
-              <a:t>In total, 19 indexes from three index families are included: S&amp;P/Barra, Russell, and Wilshire/Dow Jones</a:t>
+              <a:t> used by the funds themselves over the sample period</a:t>
             </a:r>
-            <a:endParaRPr lang="en-US" sz="1800" dirty="0">
+          </a:p>
+          <a:p>
+            <a:pPr algn="l"/>
+            <a:r>
+              <a:rPr lang="en-US" sz="1800" dirty="0">
+                <a:solidFill>
+                  <a:schemeClr val="bg2">
+                    <a:lumMod val="25000"/>
+                  </a:schemeClr>
+                </a:solidFill>
+              </a:rPr>
+              <a:t>In total, </a:t>
+            </a:r>
+            <a:r>
+              <a:rPr lang="en-US" sz="1800" b="1" dirty="0">
+                <a:solidFill>
+                  <a:schemeClr val="bg2">
+                    <a:lumMod val="25000"/>
+                  </a:schemeClr>
+                </a:solidFill>
+              </a:rPr>
+              <a:t>19 indexes from three index families </a:t>
+            </a:r>
+            <a:r>
+              <a:rPr lang="en-US" sz="1800" dirty="0">
+                <a:solidFill>
+                  <a:schemeClr val="bg2">
+                    <a:lumMod val="25000"/>
+                  </a:schemeClr>
+                </a:solidFill>
+              </a:rPr>
+              <a:t>are included: S&amp;P/Barra, Russell, and Wilshire/Dow Jones</a:t>
+            </a:r>
+            <a:endParaRPr lang="en-US" sz="2000" dirty="0">
               <a:solidFill>
                 <a:schemeClr val="bg2">
                   <a:lumMod val="25000"/>
@@ -17041,7 +18160,7 @@
           <a:p>
             <a:pPr algn="l"/>
             <a:r>
-              <a:rPr lang="en-US" sz="1600" dirty="0">
+              <a:rPr lang="en-US" sz="1800" b="1" dirty="0">
                 <a:solidFill>
                   <a:schemeClr val="bg2">
                     <a:lumMod val="25000"/>
@@ -17053,11 +18172,11 @@
           </a:p>
           <a:p>
             <a:pPr marL="285750" indent="-285750" algn="l">
-              <a:buFont typeface="Arial" panose="020B0604020202020204" pitchFamily="34" charset="0"/>
-              <a:buChar char="•"/>
+              <a:buFont typeface="Wingdings" panose="05000000000000000000" pitchFamily="2" charset="2"/>
+              <a:buChar char="ü"/>
             </a:pPr>
             <a:r>
-              <a:rPr lang="en-US" sz="1600" dirty="0">
+              <a:rPr lang="en-US" sz="1800" dirty="0">
                 <a:solidFill>
                   <a:schemeClr val="bg2">
                     <a:lumMod val="25000"/>
@@ -17069,11 +18188,11 @@
           </a:p>
           <a:p>
             <a:pPr marL="285750" indent="-285750" algn="l">
-              <a:buFont typeface="Arial" panose="020B0604020202020204" pitchFamily="34" charset="0"/>
-              <a:buChar char="•"/>
+              <a:buFont typeface="Wingdings" panose="05000000000000000000" pitchFamily="2" charset="2"/>
+              <a:buChar char="ü"/>
             </a:pPr>
             <a:r>
-              <a:rPr lang="en-US" sz="1600" dirty="0">
+              <a:rPr lang="en-US" sz="1800" dirty="0">
                 <a:solidFill>
                   <a:schemeClr val="bg2">
                     <a:lumMod val="25000"/>
@@ -17083,7 +18202,7 @@
               <a:t>This is supplemented by the CRSP mutual fund database and Wall Street Web (</a:t>
             </a:r>
             <a:r>
-              <a:rPr lang="en-US" sz="1600" dirty="0" err="1">
+              <a:rPr lang="en-US" sz="1800" dirty="0" err="1">
                 <a:solidFill>
                   <a:schemeClr val="bg2">
                     <a:lumMod val="25000"/>
@@ -17093,7 +18212,7 @@
               <a:t>Goetzmann</a:t>
             </a:r>
             <a:r>
-              <a:rPr lang="en-US" sz="1600" dirty="0">
+              <a:rPr lang="en-US" sz="1800" dirty="0">
                 <a:solidFill>
                   <a:schemeClr val="bg2">
                     <a:lumMod val="25000"/>
@@ -17106,14 +18225,24 @@
           <a:p>
             <a:pPr algn="l"/>
             <a:r>
-              <a:rPr lang="en-US" sz="1600" dirty="0">
+              <a:rPr lang="en-US" sz="1800" b="1" dirty="0">
                 <a:solidFill>
                   <a:schemeClr val="bg2">
                     <a:lumMod val="25000"/>
                   </a:schemeClr>
                 </a:solidFill>
               </a:rPr>
-              <a:t>Daily benchmark return data come from CRSP or the indexes self reporting</a:t>
+              <a:t>Daily benchmark return data come from CRSP </a:t>
+            </a:r>
+            <a:r>
+              <a:rPr lang="en-US" sz="1800" dirty="0">
+                <a:solidFill>
+                  <a:schemeClr val="bg2">
+                    <a:lumMod val="25000"/>
+                  </a:schemeClr>
+                </a:solidFill>
+              </a:rPr>
+              <a:t>or the indexes self reporting</a:t>
             </a:r>
           </a:p>
           <a:p>
@@ -17232,8 +18361,8 @@
           </a:p>
         </p:txBody>
       </p:sp>
-      <mc:AlternateContent xmlns:mc="http://schemas.openxmlformats.org/markup-compatibility/2006">
-        <mc:Choice xmlns:a14="http://schemas.microsoft.com/office/drawing/2010/main" Requires="a14">
+      <mc:AlternateContent xmlns:mc="http://schemas.openxmlformats.org/markup-compatibility/2006" xmlns:a14="http://schemas.microsoft.com/office/drawing/2010/main">
+        <mc:Choice Requires="a14">
           <p:sp>
             <p:nvSpPr>
               <p:cNvPr id="6" name="Subtitle 2">
@@ -17750,7 +18879,7 @@
             </p:txBody>
           </p:sp>
         </mc:Choice>
-        <mc:Fallback>
+        <mc:Fallback xmlns="">
           <p:sp>
             <p:nvSpPr>
               <p:cNvPr id="6" name="Subtitle 2">
@@ -18429,8 +19558,8 @@
           </a:p>
         </p:txBody>
       </p:sp>
-      <mc:AlternateContent xmlns:mc="http://schemas.openxmlformats.org/markup-compatibility/2006">
-        <mc:Choice xmlns:a14="http://schemas.microsoft.com/office/drawing/2010/main" Requires="a14">
+      <mc:AlternateContent xmlns:mc="http://schemas.openxmlformats.org/markup-compatibility/2006" xmlns:a14="http://schemas.microsoft.com/office/drawing/2010/main">
+        <mc:Choice Requires="a14">
           <p:sp>
             <p:nvSpPr>
               <p:cNvPr id="5" name="Subtitle 2">
@@ -18789,7 +19918,7 @@
             </p:txBody>
           </p:sp>
         </mc:Choice>
-        <mc:Fallback>
+        <mc:Fallback xmlns="">
           <p:sp>
             <p:nvSpPr>
               <p:cNvPr id="5" name="Subtitle 2">
